--- a/Customer_Segmentation.pptx
+++ b/Customer_Segmentation.pptx
@@ -53,16 +53,18 @@
     <p:sldId id="298" r:id="rId48"/>
     <p:sldId id="299" r:id="rId49"/>
     <p:sldId id="300" r:id="rId50"/>
+    <p:sldId id="301" r:id="rId51"/>
+    <p:sldId id="302" r:id="rId52"/>
   </p:sldIdLst>
   <p:sldSz cy="5143500" cx="9144000"/>
   <p:notesSz cx="6858000" cy="9144000"/>
   <p:embeddedFontLst>
     <p:embeddedFont>
       <p:font typeface="Roboto"/>
-      <p:regular r:id="rId51"/>
-      <p:bold r:id="rId52"/>
-      <p:italic r:id="rId53"/>
-      <p:boldItalic r:id="rId54"/>
+      <p:regular r:id="rId53"/>
+      <p:bold r:id="rId54"/>
+      <p:italic r:id="rId55"/>
+      <p:boldItalic r:id="rId56"/>
     </p:embeddedFont>
   </p:embeddedFontLst>
   <p:defaultTextStyle>
@@ -2540,7 +2542,7 @@
       </p:grpSpPr>
       <p:sp>
         <p:nvSpPr>
-          <p:cNvPr id="245" name="Google Shape;245;g1241d755ea9_1_122:notes"/>
+          <p:cNvPr id="245" name="Google Shape;245;g1241d755ea9_1_271:notes"/>
           <p:cNvSpPr/>
           <p:nvPr>
             <p:ph idx="2" type="sldImg"/>
@@ -2575,7 +2577,7 @@
       </p:sp>
       <p:sp>
         <p:nvSpPr>
-          <p:cNvPr id="246" name="Google Shape;246;g1241d755ea9_1_122:notes"/>
+          <p:cNvPr id="246" name="Google Shape;246;g1241d755ea9_1_271:notes"/>
           <p:cNvSpPr txBox="1"/>
           <p:nvPr>
             <p:ph idx="1" type="body"/>
@@ -2625,7 +2627,7 @@
   <p:cSld>
     <p:spTree>
       <p:nvGrpSpPr>
-        <p:cNvPr id="253" name="Shape 253"/>
+        <p:cNvPr id="249" name="Shape 249"/>
         <p:cNvGrpSpPr/>
         <p:nvPr/>
       </p:nvGrpSpPr>
@@ -2639,7 +2641,7 @@
       </p:grpSpPr>
       <p:sp>
         <p:nvSpPr>
-          <p:cNvPr id="254" name="Google Shape;254;g1241d755ea9_1_143:notes"/>
+          <p:cNvPr id="250" name="Google Shape;250;g1241d755ea9_1_122:notes"/>
           <p:cNvSpPr/>
           <p:nvPr>
             <p:ph idx="2" type="sldImg"/>
@@ -2674,7 +2676,7 @@
       </p:sp>
       <p:sp>
         <p:nvSpPr>
-          <p:cNvPr id="255" name="Google Shape;255;g1241d755ea9_1_143:notes"/>
+          <p:cNvPr id="251" name="Google Shape;251;g1241d755ea9_1_122:notes"/>
           <p:cNvSpPr txBox="1"/>
           <p:nvPr>
             <p:ph idx="1" type="body"/>
@@ -2724,7 +2726,7 @@
   <p:cSld>
     <p:spTree>
       <p:nvGrpSpPr>
-        <p:cNvPr id="259" name="Shape 259"/>
+        <p:cNvPr id="258" name="Shape 258"/>
         <p:cNvGrpSpPr/>
         <p:nvPr/>
       </p:nvGrpSpPr>
@@ -2738,7 +2740,7 @@
       </p:grpSpPr>
       <p:sp>
         <p:nvSpPr>
-          <p:cNvPr id="260" name="Google Shape;260;g1241d755ea9_1_217:notes"/>
+          <p:cNvPr id="259" name="Google Shape;259;g1241d755ea9_1_275:notes"/>
           <p:cNvSpPr/>
           <p:nvPr>
             <p:ph idx="2" type="sldImg"/>
@@ -2773,7 +2775,7 @@
       </p:sp>
       <p:sp>
         <p:nvSpPr>
-          <p:cNvPr id="261" name="Google Shape;261;g1241d755ea9_1_217:notes"/>
+          <p:cNvPr id="260" name="Google Shape;260;g1241d755ea9_1_275:notes"/>
           <p:cNvSpPr txBox="1"/>
           <p:nvPr>
             <p:ph idx="1" type="body"/>
@@ -2823,7 +2825,7 @@
   <p:cSld>
     <p:spTree>
       <p:nvGrpSpPr>
-        <p:cNvPr id="266" name="Shape 266"/>
+        <p:cNvPr id="263" name="Shape 263"/>
         <p:cNvGrpSpPr/>
         <p:nvPr/>
       </p:nvGrpSpPr>
@@ -2837,7 +2839,7 @@
       </p:grpSpPr>
       <p:sp>
         <p:nvSpPr>
-          <p:cNvPr id="267" name="Google Shape;267;g1241d755ea9_1_205:notes"/>
+          <p:cNvPr id="264" name="Google Shape;264;g1241d755ea9_1_143:notes"/>
           <p:cNvSpPr/>
           <p:nvPr>
             <p:ph idx="2" type="sldImg"/>
@@ -2872,7 +2874,7 @@
       </p:sp>
       <p:sp>
         <p:nvSpPr>
-          <p:cNvPr id="268" name="Google Shape;268;g1241d755ea9_1_205:notes"/>
+          <p:cNvPr id="265" name="Google Shape;265;g1241d755ea9_1_143:notes"/>
           <p:cNvSpPr txBox="1"/>
           <p:nvPr>
             <p:ph idx="1" type="body"/>
@@ -3021,7 +3023,7 @@
   <p:cSld>
     <p:spTree>
       <p:nvGrpSpPr>
-        <p:cNvPr id="271" name="Shape 271"/>
+        <p:cNvPr id="269" name="Shape 269"/>
         <p:cNvGrpSpPr/>
         <p:nvPr/>
       </p:nvGrpSpPr>
@@ -3035,7 +3037,7 @@
       </p:grpSpPr>
       <p:sp>
         <p:nvSpPr>
-          <p:cNvPr id="272" name="Google Shape;272;g1241d755ea9_1_177:notes"/>
+          <p:cNvPr id="270" name="Google Shape;270;g1241d755ea9_1_217:notes"/>
           <p:cNvSpPr/>
           <p:nvPr>
             <p:ph idx="2" type="sldImg"/>
@@ -3070,7 +3072,7 @@
       </p:sp>
       <p:sp>
         <p:nvSpPr>
-          <p:cNvPr id="273" name="Google Shape;273;g1241d755ea9_1_177:notes"/>
+          <p:cNvPr id="271" name="Google Shape;271;g1241d755ea9_1_217:notes"/>
           <p:cNvSpPr txBox="1"/>
           <p:nvPr>
             <p:ph idx="1" type="body"/>
@@ -3120,7 +3122,7 @@
   <p:cSld>
     <p:spTree>
       <p:nvGrpSpPr>
-        <p:cNvPr id="277" name="Shape 277"/>
+        <p:cNvPr id="276" name="Shape 276"/>
         <p:cNvGrpSpPr/>
         <p:nvPr/>
       </p:nvGrpSpPr>
@@ -3134,7 +3136,7 @@
       </p:grpSpPr>
       <p:sp>
         <p:nvSpPr>
-          <p:cNvPr id="278" name="Google Shape;278;g1241d755ea9_1_181:notes"/>
+          <p:cNvPr id="277" name="Google Shape;277;g1241d755ea9_1_205:notes"/>
           <p:cNvSpPr/>
           <p:nvPr>
             <p:ph idx="2" type="sldImg"/>
@@ -3169,7 +3171,7 @@
       </p:sp>
       <p:sp>
         <p:nvSpPr>
-          <p:cNvPr id="279" name="Google Shape;279;g1241d755ea9_1_181:notes"/>
+          <p:cNvPr id="278" name="Google Shape;278;g1241d755ea9_1_205:notes"/>
           <p:cNvSpPr txBox="1"/>
           <p:nvPr>
             <p:ph idx="1" type="body"/>
@@ -3219,7 +3221,7 @@
   <p:cSld>
     <p:spTree>
       <p:nvGrpSpPr>
-        <p:cNvPr id="283" name="Shape 283"/>
+        <p:cNvPr id="281" name="Shape 281"/>
         <p:cNvGrpSpPr/>
         <p:nvPr/>
       </p:nvGrpSpPr>
@@ -3233,7 +3235,7 @@
       </p:grpSpPr>
       <p:sp>
         <p:nvSpPr>
-          <p:cNvPr id="284" name="Google Shape;284;g1241d755ea9_1_185:notes"/>
+          <p:cNvPr id="282" name="Google Shape;282;g1241d755ea9_1_177:notes"/>
           <p:cNvSpPr/>
           <p:nvPr>
             <p:ph idx="2" type="sldImg"/>
@@ -3268,7 +3270,7 @@
       </p:sp>
       <p:sp>
         <p:nvSpPr>
-          <p:cNvPr id="285" name="Google Shape;285;g1241d755ea9_1_185:notes"/>
+          <p:cNvPr id="283" name="Google Shape;283;g1241d755ea9_1_177:notes"/>
           <p:cNvSpPr txBox="1"/>
           <p:nvPr>
             <p:ph idx="1" type="body"/>
@@ -3318,7 +3320,7 @@
   <p:cSld>
     <p:spTree>
       <p:nvGrpSpPr>
-        <p:cNvPr id="289" name="Shape 289"/>
+        <p:cNvPr id="287" name="Shape 287"/>
         <p:cNvGrpSpPr/>
         <p:nvPr/>
       </p:nvGrpSpPr>
@@ -3332,7 +3334,7 @@
       </p:grpSpPr>
       <p:sp>
         <p:nvSpPr>
-          <p:cNvPr id="290" name="Google Shape;290;g1241d755ea9_1_189:notes"/>
+          <p:cNvPr id="288" name="Google Shape;288;g1241d755ea9_1_181:notes"/>
           <p:cNvSpPr/>
           <p:nvPr>
             <p:ph idx="2" type="sldImg"/>
@@ -3367,7 +3369,7 @@
       </p:sp>
       <p:sp>
         <p:nvSpPr>
-          <p:cNvPr id="291" name="Google Shape;291;g1241d755ea9_1_189:notes"/>
+          <p:cNvPr id="289" name="Google Shape;289;g1241d755ea9_1_181:notes"/>
           <p:cNvSpPr txBox="1"/>
           <p:nvPr>
             <p:ph idx="1" type="body"/>
@@ -3417,7 +3419,7 @@
   <p:cSld>
     <p:spTree>
       <p:nvGrpSpPr>
-        <p:cNvPr id="295" name="Shape 295"/>
+        <p:cNvPr id="293" name="Shape 293"/>
         <p:cNvGrpSpPr/>
         <p:nvPr/>
       </p:nvGrpSpPr>
@@ -3431,7 +3433,7 @@
       </p:grpSpPr>
       <p:sp>
         <p:nvSpPr>
-          <p:cNvPr id="296" name="Google Shape;296;g1241d755ea9_1_193:notes"/>
+          <p:cNvPr id="294" name="Google Shape;294;g1241d755ea9_1_185:notes"/>
           <p:cNvSpPr/>
           <p:nvPr>
             <p:ph idx="2" type="sldImg"/>
@@ -3466,7 +3468,7 @@
       </p:sp>
       <p:sp>
         <p:nvSpPr>
-          <p:cNvPr id="297" name="Google Shape;297;g1241d755ea9_1_193:notes"/>
+          <p:cNvPr id="295" name="Google Shape;295;g1241d755ea9_1_185:notes"/>
           <p:cNvSpPr txBox="1"/>
           <p:nvPr>
             <p:ph idx="1" type="body"/>
@@ -3516,7 +3518,7 @@
   <p:cSld>
     <p:spTree>
       <p:nvGrpSpPr>
-        <p:cNvPr id="301" name="Shape 301"/>
+        <p:cNvPr id="299" name="Shape 299"/>
         <p:cNvGrpSpPr/>
         <p:nvPr/>
       </p:nvGrpSpPr>
@@ -3530,7 +3532,7 @@
       </p:grpSpPr>
       <p:sp>
         <p:nvSpPr>
-          <p:cNvPr id="302" name="Google Shape;302;g1241d755ea9_1_197:notes"/>
+          <p:cNvPr id="300" name="Google Shape;300;g1241d755ea9_1_189:notes"/>
           <p:cNvSpPr/>
           <p:nvPr>
             <p:ph idx="2" type="sldImg"/>
@@ -3565,7 +3567,7 @@
       </p:sp>
       <p:sp>
         <p:nvSpPr>
-          <p:cNvPr id="303" name="Google Shape;303;g1241d755ea9_1_197:notes"/>
+          <p:cNvPr id="301" name="Google Shape;301;g1241d755ea9_1_189:notes"/>
           <p:cNvSpPr txBox="1"/>
           <p:nvPr>
             <p:ph idx="1" type="body"/>
@@ -3615,7 +3617,7 @@
   <p:cSld>
     <p:spTree>
       <p:nvGrpSpPr>
-        <p:cNvPr id="307" name="Shape 307"/>
+        <p:cNvPr id="305" name="Shape 305"/>
         <p:cNvGrpSpPr/>
         <p:nvPr/>
       </p:nvGrpSpPr>
@@ -3629,7 +3631,7 @@
       </p:grpSpPr>
       <p:sp>
         <p:nvSpPr>
-          <p:cNvPr id="308" name="Google Shape;308;g1241d755ea9_1_201:notes"/>
+          <p:cNvPr id="306" name="Google Shape;306;g1241d755ea9_1_193:notes"/>
           <p:cNvSpPr/>
           <p:nvPr>
             <p:ph idx="2" type="sldImg"/>
@@ -3664,7 +3666,7 @@
       </p:sp>
       <p:sp>
         <p:nvSpPr>
-          <p:cNvPr id="309" name="Google Shape;309;g1241d755ea9_1_201:notes"/>
+          <p:cNvPr id="307" name="Google Shape;307;g1241d755ea9_1_193:notes"/>
           <p:cNvSpPr txBox="1"/>
           <p:nvPr>
             <p:ph idx="1" type="body"/>
@@ -3714,7 +3716,7 @@
   <p:cSld>
     <p:spTree>
       <p:nvGrpSpPr>
-        <p:cNvPr id="313" name="Shape 313"/>
+        <p:cNvPr id="311" name="Shape 311"/>
         <p:cNvGrpSpPr/>
         <p:nvPr/>
       </p:nvGrpSpPr>
@@ -3728,7 +3730,7 @@
       </p:grpSpPr>
       <p:sp>
         <p:nvSpPr>
-          <p:cNvPr id="314" name="Google Shape;314;g1241d755ea9_1_255:notes"/>
+          <p:cNvPr id="312" name="Google Shape;312;g1241d755ea9_1_197:notes"/>
           <p:cNvSpPr/>
           <p:nvPr>
             <p:ph idx="2" type="sldImg"/>
@@ -3763,7 +3765,7 @@
       </p:sp>
       <p:sp>
         <p:nvSpPr>
-          <p:cNvPr id="315" name="Google Shape;315;g1241d755ea9_1_255:notes"/>
+          <p:cNvPr id="313" name="Google Shape;313;g1241d755ea9_1_197:notes"/>
           <p:cNvSpPr txBox="1"/>
           <p:nvPr>
             <p:ph idx="1" type="body"/>
@@ -3813,7 +3815,7 @@
   <p:cSld>
     <p:spTree>
       <p:nvGrpSpPr>
-        <p:cNvPr id="319" name="Shape 319"/>
+        <p:cNvPr id="317" name="Shape 317"/>
         <p:cNvGrpSpPr/>
         <p:nvPr/>
       </p:nvGrpSpPr>
@@ -3827,7 +3829,7 @@
       </p:grpSpPr>
       <p:sp>
         <p:nvSpPr>
-          <p:cNvPr id="320" name="Google Shape;320;g1241d755ea9_1_209:notes"/>
+          <p:cNvPr id="318" name="Google Shape;318;g1241d755ea9_1_201:notes"/>
           <p:cNvSpPr/>
           <p:nvPr>
             <p:ph idx="2" type="sldImg"/>
@@ -3862,7 +3864,7 @@
       </p:sp>
       <p:sp>
         <p:nvSpPr>
-          <p:cNvPr id="321" name="Google Shape;321;g1241d755ea9_1_209:notes"/>
+          <p:cNvPr id="319" name="Google Shape;319;g1241d755ea9_1_201:notes"/>
           <p:cNvSpPr txBox="1"/>
           <p:nvPr>
             <p:ph idx="1" type="body"/>
@@ -3912,7 +3914,7 @@
   <p:cSld>
     <p:spTree>
       <p:nvGrpSpPr>
-        <p:cNvPr id="324" name="Shape 324"/>
+        <p:cNvPr id="323" name="Shape 323"/>
         <p:cNvGrpSpPr/>
         <p:nvPr/>
       </p:nvGrpSpPr>
@@ -3926,7 +3928,7 @@
       </p:grpSpPr>
       <p:sp>
         <p:nvSpPr>
-          <p:cNvPr id="325" name="Google Shape;325;g1241d755ea9_1_149:notes"/>
+          <p:cNvPr id="324" name="Google Shape;324;g1241d755ea9_1_255:notes"/>
           <p:cNvSpPr/>
           <p:nvPr>
             <p:ph idx="2" type="sldImg"/>
@@ -3961,7 +3963,7 @@
       </p:sp>
       <p:sp>
         <p:nvSpPr>
-          <p:cNvPr id="326" name="Google Shape;326;g1241d755ea9_1_149:notes"/>
+          <p:cNvPr id="325" name="Google Shape;325;g1241d755ea9_1_255:notes"/>
           <p:cNvSpPr txBox="1"/>
           <p:nvPr>
             <p:ph idx="1" type="body"/>
@@ -4110,7 +4112,7 @@
   <p:cSld>
     <p:spTree>
       <p:nvGrpSpPr>
-        <p:cNvPr id="330" name="Shape 330"/>
+        <p:cNvPr id="329" name="Shape 329"/>
         <p:cNvGrpSpPr/>
         <p:nvPr/>
       </p:nvGrpSpPr>
@@ -4124,7 +4126,7 @@
       </p:grpSpPr>
       <p:sp>
         <p:nvSpPr>
-          <p:cNvPr id="331" name="Google Shape;331;g1241d755ea9_1_153:notes"/>
+          <p:cNvPr id="330" name="Google Shape;330;g1241d755ea9_1_209:notes"/>
           <p:cNvSpPr/>
           <p:nvPr>
             <p:ph idx="2" type="sldImg"/>
@@ -4159,7 +4161,7 @@
       </p:sp>
       <p:sp>
         <p:nvSpPr>
-          <p:cNvPr id="332" name="Google Shape;332;g1241d755ea9_1_153:notes"/>
+          <p:cNvPr id="331" name="Google Shape;331;g1241d755ea9_1_209:notes"/>
           <p:cNvSpPr txBox="1"/>
           <p:nvPr>
             <p:ph idx="1" type="body"/>
@@ -4209,7 +4211,7 @@
   <p:cSld>
     <p:spTree>
       <p:nvGrpSpPr>
-        <p:cNvPr id="336" name="Shape 336"/>
+        <p:cNvPr id="334" name="Shape 334"/>
         <p:cNvGrpSpPr/>
         <p:nvPr/>
       </p:nvGrpSpPr>
@@ -4223,7 +4225,7 @@
       </p:grpSpPr>
       <p:sp>
         <p:nvSpPr>
-          <p:cNvPr id="337" name="Google Shape;337;g1241d755ea9_1_157:notes"/>
+          <p:cNvPr id="335" name="Google Shape;335;g1241d755ea9_1_149:notes"/>
           <p:cNvSpPr/>
           <p:nvPr>
             <p:ph idx="2" type="sldImg"/>
@@ -4258,7 +4260,7 @@
       </p:sp>
       <p:sp>
         <p:nvSpPr>
-          <p:cNvPr id="338" name="Google Shape;338;g1241d755ea9_1_157:notes"/>
+          <p:cNvPr id="336" name="Google Shape;336;g1241d755ea9_1_149:notes"/>
           <p:cNvSpPr txBox="1"/>
           <p:nvPr>
             <p:ph idx="1" type="body"/>
@@ -4308,7 +4310,7 @@
   <p:cSld>
     <p:spTree>
       <p:nvGrpSpPr>
-        <p:cNvPr id="342" name="Shape 342"/>
+        <p:cNvPr id="340" name="Shape 340"/>
         <p:cNvGrpSpPr/>
         <p:nvPr/>
       </p:nvGrpSpPr>
@@ -4322,7 +4324,7 @@
       </p:grpSpPr>
       <p:sp>
         <p:nvSpPr>
-          <p:cNvPr id="343" name="Google Shape;343;g1241d755ea9_1_161:notes"/>
+          <p:cNvPr id="341" name="Google Shape;341;g1241d755ea9_1_153:notes"/>
           <p:cNvSpPr/>
           <p:nvPr>
             <p:ph idx="2" type="sldImg"/>
@@ -4357,7 +4359,7 @@
       </p:sp>
       <p:sp>
         <p:nvSpPr>
-          <p:cNvPr id="344" name="Google Shape;344;g1241d755ea9_1_161:notes"/>
+          <p:cNvPr id="342" name="Google Shape;342;g1241d755ea9_1_153:notes"/>
           <p:cNvSpPr txBox="1"/>
           <p:nvPr>
             <p:ph idx="1" type="body"/>
@@ -4407,7 +4409,7 @@
   <p:cSld>
     <p:spTree>
       <p:nvGrpSpPr>
-        <p:cNvPr id="348" name="Shape 348"/>
+        <p:cNvPr id="346" name="Shape 346"/>
         <p:cNvGrpSpPr/>
         <p:nvPr/>
       </p:nvGrpSpPr>
@@ -4421,7 +4423,7 @@
       </p:grpSpPr>
       <p:sp>
         <p:nvSpPr>
-          <p:cNvPr id="349" name="Google Shape;349;g1241d755ea9_1_165:notes"/>
+          <p:cNvPr id="347" name="Google Shape;347;g1241d755ea9_1_157:notes"/>
           <p:cNvSpPr/>
           <p:nvPr>
             <p:ph idx="2" type="sldImg"/>
@@ -4456,7 +4458,7 @@
       </p:sp>
       <p:sp>
         <p:nvSpPr>
-          <p:cNvPr id="350" name="Google Shape;350;g1241d755ea9_1_165:notes"/>
+          <p:cNvPr id="348" name="Google Shape;348;g1241d755ea9_1_157:notes"/>
           <p:cNvSpPr txBox="1"/>
           <p:nvPr>
             <p:ph idx="1" type="body"/>
@@ -4506,7 +4508,7 @@
   <p:cSld>
     <p:spTree>
       <p:nvGrpSpPr>
-        <p:cNvPr id="354" name="Shape 354"/>
+        <p:cNvPr id="352" name="Shape 352"/>
         <p:cNvGrpSpPr/>
         <p:nvPr/>
       </p:nvGrpSpPr>
@@ -4520,7 +4522,7 @@
       </p:grpSpPr>
       <p:sp>
         <p:nvSpPr>
-          <p:cNvPr id="355" name="Google Shape;355;g1241d755ea9_1_169:notes"/>
+          <p:cNvPr id="353" name="Google Shape;353;g1241d755ea9_1_161:notes"/>
           <p:cNvSpPr/>
           <p:nvPr>
             <p:ph idx="2" type="sldImg"/>
@@ -4555,7 +4557,7 @@
       </p:sp>
       <p:sp>
         <p:nvSpPr>
-          <p:cNvPr id="356" name="Google Shape;356;g1241d755ea9_1_169:notes"/>
+          <p:cNvPr id="354" name="Google Shape;354;g1241d755ea9_1_161:notes"/>
           <p:cNvSpPr txBox="1"/>
           <p:nvPr>
             <p:ph idx="1" type="body"/>
@@ -4605,7 +4607,7 @@
   <p:cSld>
     <p:spTree>
       <p:nvGrpSpPr>
-        <p:cNvPr id="360" name="Shape 360"/>
+        <p:cNvPr id="358" name="Shape 358"/>
         <p:cNvGrpSpPr/>
         <p:nvPr/>
       </p:nvGrpSpPr>
@@ -4619,7 +4621,7 @@
       </p:grpSpPr>
       <p:sp>
         <p:nvSpPr>
-          <p:cNvPr id="361" name="Google Shape;361;g1241d755ea9_1_213:notes"/>
+          <p:cNvPr id="359" name="Google Shape;359;g1241d755ea9_1_165:notes"/>
           <p:cNvSpPr/>
           <p:nvPr>
             <p:ph idx="2" type="sldImg"/>
@@ -4654,7 +4656,205 @@
       </p:sp>
       <p:sp>
         <p:nvSpPr>
-          <p:cNvPr id="362" name="Google Shape;362;g1241d755ea9_1_213:notes"/>
+          <p:cNvPr id="360" name="Google Shape;360;g1241d755ea9_1_165:notes"/>
+          <p:cNvSpPr txBox="1"/>
+          <p:nvPr>
+            <p:ph idx="1" type="body"/>
+          </p:nvPr>
+        </p:nvSpPr>
+        <p:spPr>
+          <a:xfrm>
+            <a:off x="685800" y="4343400"/>
+            <a:ext cx="5486400" cy="4114800"/>
+          </a:xfrm>
+          <a:prstGeom prst="rect">
+            <a:avLst/>
+          </a:prstGeom>
+        </p:spPr>
+        <p:txBody>
+          <a:bodyPr anchorCtr="0" anchor="t" bIns="91425" lIns="91425" spcFirstLastPara="1" rIns="91425" wrap="square" tIns="91425">
+            <a:noAutofit/>
+          </a:bodyPr>
+          <a:lstStyle/>
+          <a:p>
+            <a:pPr indent="0" lvl="0" marL="0" rtl="0" algn="l">
+              <a:spcBef>
+                <a:spcPts val="0"/>
+              </a:spcBef>
+              <a:spcAft>
+                <a:spcPts val="0"/>
+              </a:spcAft>
+              <a:buNone/>
+            </a:pPr>
+            <a:r>
+              <a:t/>
+            </a:r>
+            <a:endParaRPr/>
+          </a:p>
+        </p:txBody>
+      </p:sp>
+    </p:spTree>
+  </p:cSld>
+  <p:clrMapOvr>
+    <a:masterClrMapping/>
+  </p:clrMapOvr>
+</p:notes>
+</file>
+
+<file path=ppt/notesSlides/notesSlide46.xml><?xml version="1.0" encoding="utf-8"?>
+<p:notes xmlns:a="http://schemas.openxmlformats.org/drawingml/2006/main" xmlns:r="http://schemas.openxmlformats.org/officeDocument/2006/relationships" xmlns:mc="http://schemas.openxmlformats.org/markup-compatibility/2006" xmlns:mv="urn:schemas-microsoft-com:mac:vml" xmlns:p="http://schemas.openxmlformats.org/presentationml/2006/main" xmlns:c="http://schemas.openxmlformats.org/drawingml/2006/chart" xmlns:dgm="http://schemas.openxmlformats.org/drawingml/2006/diagram" xmlns:o="urn:schemas-microsoft-com:office:office" xmlns:v="urn:schemas-microsoft-com:vml" xmlns:pvml="urn:schemas-microsoft-com:office:powerpoint" xmlns:com="http://schemas.openxmlformats.org/drawingml/2006/compatibility" xmlns:p14="http://schemas.microsoft.com/office/powerpoint/2010/main" xmlns:p15="http://schemas.microsoft.com/office/powerpoint/2012/main" xmlns:ahyp="http://schemas.microsoft.com/office/drawing/2018/hyperlinkcolor" showMasterPhAnim="0" showMasterSp="0">
+  <p:cSld>
+    <p:spTree>
+      <p:nvGrpSpPr>
+        <p:cNvPr id="364" name="Shape 364"/>
+        <p:cNvGrpSpPr/>
+        <p:nvPr/>
+      </p:nvGrpSpPr>
+      <p:grpSpPr>
+        <a:xfrm>
+          <a:off x="0" y="0"/>
+          <a:ext cx="0" cy="0"/>
+          <a:chOff x="0" y="0"/>
+          <a:chExt cx="0" cy="0"/>
+        </a:xfrm>
+      </p:grpSpPr>
+      <p:sp>
+        <p:nvSpPr>
+          <p:cNvPr id="365" name="Google Shape;365;g1241d755ea9_1_169:notes"/>
+          <p:cNvSpPr/>
+          <p:nvPr>
+            <p:ph idx="2" type="sldImg"/>
+          </p:nvPr>
+        </p:nvSpPr>
+        <p:spPr>
+          <a:xfrm>
+            <a:off x="381300" y="685800"/>
+            <a:ext cx="6096000" cy="3429000"/>
+          </a:xfrm>
+          <a:custGeom>
+            <a:rect b="b" l="l" r="r" t="t"/>
+            <a:pathLst>
+              <a:path extrusionOk="0" h="120000" w="120000">
+                <a:moveTo>
+                  <a:pt x="0" y="0"/>
+                </a:moveTo>
+                <a:lnTo>
+                  <a:pt x="120000" y="0"/>
+                </a:lnTo>
+                <a:lnTo>
+                  <a:pt x="120000" y="120000"/>
+                </a:lnTo>
+                <a:lnTo>
+                  <a:pt x="0" y="120000"/>
+                </a:lnTo>
+                <a:close/>
+              </a:path>
+            </a:pathLst>
+          </a:custGeom>
+        </p:spPr>
+      </p:sp>
+      <p:sp>
+        <p:nvSpPr>
+          <p:cNvPr id="366" name="Google Shape;366;g1241d755ea9_1_169:notes"/>
+          <p:cNvSpPr txBox="1"/>
+          <p:nvPr>
+            <p:ph idx="1" type="body"/>
+          </p:nvPr>
+        </p:nvSpPr>
+        <p:spPr>
+          <a:xfrm>
+            <a:off x="685800" y="4343400"/>
+            <a:ext cx="5486400" cy="4114800"/>
+          </a:xfrm>
+          <a:prstGeom prst="rect">
+            <a:avLst/>
+          </a:prstGeom>
+        </p:spPr>
+        <p:txBody>
+          <a:bodyPr anchorCtr="0" anchor="t" bIns="91425" lIns="91425" spcFirstLastPara="1" rIns="91425" wrap="square" tIns="91425">
+            <a:noAutofit/>
+          </a:bodyPr>
+          <a:lstStyle/>
+          <a:p>
+            <a:pPr indent="0" lvl="0" marL="0" rtl="0" algn="l">
+              <a:spcBef>
+                <a:spcPts val="0"/>
+              </a:spcBef>
+              <a:spcAft>
+                <a:spcPts val="0"/>
+              </a:spcAft>
+              <a:buNone/>
+            </a:pPr>
+            <a:r>
+              <a:t/>
+            </a:r>
+            <a:endParaRPr/>
+          </a:p>
+        </p:txBody>
+      </p:sp>
+    </p:spTree>
+  </p:cSld>
+  <p:clrMapOvr>
+    <a:masterClrMapping/>
+  </p:clrMapOvr>
+</p:notes>
+</file>
+
+<file path=ppt/notesSlides/notesSlide47.xml><?xml version="1.0" encoding="utf-8"?>
+<p:notes xmlns:a="http://schemas.openxmlformats.org/drawingml/2006/main" xmlns:r="http://schemas.openxmlformats.org/officeDocument/2006/relationships" xmlns:mc="http://schemas.openxmlformats.org/markup-compatibility/2006" xmlns:mv="urn:schemas-microsoft-com:mac:vml" xmlns:p="http://schemas.openxmlformats.org/presentationml/2006/main" xmlns:c="http://schemas.openxmlformats.org/drawingml/2006/chart" xmlns:dgm="http://schemas.openxmlformats.org/drawingml/2006/diagram" xmlns:o="urn:schemas-microsoft-com:office:office" xmlns:v="urn:schemas-microsoft-com:vml" xmlns:pvml="urn:schemas-microsoft-com:office:powerpoint" xmlns:com="http://schemas.openxmlformats.org/drawingml/2006/compatibility" xmlns:p14="http://schemas.microsoft.com/office/powerpoint/2010/main" xmlns:p15="http://schemas.microsoft.com/office/powerpoint/2012/main" xmlns:ahyp="http://schemas.microsoft.com/office/drawing/2018/hyperlinkcolor" showMasterPhAnim="0" showMasterSp="0">
+  <p:cSld>
+    <p:spTree>
+      <p:nvGrpSpPr>
+        <p:cNvPr id="370" name="Shape 370"/>
+        <p:cNvGrpSpPr/>
+        <p:nvPr/>
+      </p:nvGrpSpPr>
+      <p:grpSpPr>
+        <a:xfrm>
+          <a:off x="0" y="0"/>
+          <a:ext cx="0" cy="0"/>
+          <a:chOff x="0" y="0"/>
+          <a:chExt cx="0" cy="0"/>
+        </a:xfrm>
+      </p:grpSpPr>
+      <p:sp>
+        <p:nvSpPr>
+          <p:cNvPr id="371" name="Google Shape;371;g1241d755ea9_1_213:notes"/>
+          <p:cNvSpPr/>
+          <p:nvPr>
+            <p:ph idx="2" type="sldImg"/>
+          </p:nvPr>
+        </p:nvSpPr>
+        <p:spPr>
+          <a:xfrm>
+            <a:off x="381300" y="685800"/>
+            <a:ext cx="6096000" cy="3429000"/>
+          </a:xfrm>
+          <a:custGeom>
+            <a:rect b="b" l="l" r="r" t="t"/>
+            <a:pathLst>
+              <a:path extrusionOk="0" h="120000" w="120000">
+                <a:moveTo>
+                  <a:pt x="0" y="0"/>
+                </a:moveTo>
+                <a:lnTo>
+                  <a:pt x="120000" y="0"/>
+                </a:lnTo>
+                <a:lnTo>
+                  <a:pt x="120000" y="120000"/>
+                </a:lnTo>
+                <a:lnTo>
+                  <a:pt x="0" y="120000"/>
+                </a:lnTo>
+                <a:close/>
+              </a:path>
+            </a:pathLst>
+          </a:custGeom>
+        </p:spPr>
+      </p:sp>
+      <p:sp>
+        <p:nvSpPr>
+          <p:cNvPr id="372" name="Google Shape;372;g1241d755ea9_1_213:notes"/>
           <p:cNvSpPr txBox="1"/>
           <p:nvPr>
             <p:ph idx="1" type="body"/>
@@ -14951,8 +15151,8 @@
         </p:nvSpPr>
         <p:spPr>
           <a:xfrm>
-            <a:off x="460950" y="410675"/>
-            <a:ext cx="8222100" cy="767700"/>
+            <a:off x="490250" y="526350"/>
+            <a:ext cx="5618700" cy="4090800"/>
           </a:xfrm>
           <a:prstGeom prst="rect">
             <a:avLst/>
@@ -14964,192 +15164,178 @@
           </a:bodyPr>
           <a:lstStyle/>
           <a:p>
-            <a:pPr indent="0" lvl="0" marL="0" rtl="0" algn="l">
-              <a:spcBef>
-                <a:spcPts val="0"/>
-              </a:spcBef>
-              <a:spcAft>
-                <a:spcPts val="0"/>
-              </a:spcAft>
-              <a:buNone/>
-            </a:pPr>
-            <a:r>
-              <a:rPr lang="en"/>
-              <a:t>Customer Categorization</a:t>
-            </a:r>
-            <a:endParaRPr/>
-          </a:p>
-        </p:txBody>
-      </p:sp>
-      <p:pic>
-        <p:nvPicPr>
-          <p:cNvPr id="249" name="Google Shape;249;p38"/>
-          <p:cNvPicPr preferRelativeResize="0"/>
-          <p:nvPr/>
-        </p:nvPicPr>
-        <p:blipFill>
-          <a:blip r:embed="rId3">
-            <a:alphaModFix/>
-          </a:blip>
-          <a:stretch>
-            <a:fillRect/>
-          </a:stretch>
-        </p:blipFill>
-        <p:spPr>
-          <a:xfrm>
-            <a:off x="789775" y="2011925"/>
-            <a:ext cx="3145675" cy="2225975"/>
-          </a:xfrm>
-          <a:prstGeom prst="rect">
-            <a:avLst/>
-          </a:prstGeom>
-          <a:noFill/>
-          <a:ln>
-            <a:noFill/>
-          </a:ln>
-        </p:spPr>
-      </p:pic>
-      <p:pic>
-        <p:nvPicPr>
-          <p:cNvPr id="250" name="Google Shape;250;p38"/>
-          <p:cNvPicPr preferRelativeResize="0"/>
-          <p:nvPr/>
-        </p:nvPicPr>
-        <p:blipFill>
-          <a:blip r:embed="rId4">
-            <a:alphaModFix/>
-          </a:blip>
-          <a:stretch>
-            <a:fillRect/>
-          </a:stretch>
-        </p:blipFill>
-        <p:spPr>
-          <a:xfrm>
-            <a:off x="4573745" y="2011925"/>
-            <a:ext cx="3307555" cy="2225975"/>
-          </a:xfrm>
-          <a:prstGeom prst="rect">
-            <a:avLst/>
-          </a:prstGeom>
-          <a:noFill/>
-          <a:ln>
-            <a:noFill/>
-          </a:ln>
-        </p:spPr>
-      </p:pic>
-      <p:sp>
-        <p:nvSpPr>
-          <p:cNvPr id="251" name="Google Shape;251;p38"/>
-          <p:cNvSpPr txBox="1"/>
-          <p:nvPr/>
-        </p:nvSpPr>
-        <p:spPr>
-          <a:xfrm>
-            <a:off x="1870813" y="4298600"/>
-            <a:ext cx="993000" cy="400200"/>
-          </a:xfrm>
-          <a:prstGeom prst="rect">
-            <a:avLst/>
-          </a:prstGeom>
-          <a:noFill/>
-          <a:ln>
-            <a:noFill/>
-          </a:ln>
-        </p:spPr>
-        <p:txBody>
-          <a:bodyPr anchorCtr="0" anchor="t" bIns="91425" lIns="91425" spcFirstLastPara="1" rIns="91425" wrap="square" tIns="91425">
-            <a:spAutoFit/>
-          </a:bodyPr>
-          <a:lstStyle/>
-          <a:p>
-            <a:pPr indent="0" lvl="0" marL="0" rtl="0" algn="l">
-              <a:spcBef>
-                <a:spcPts val="0"/>
-              </a:spcBef>
-              <a:spcAft>
-                <a:spcPts val="0"/>
-              </a:spcAft>
-              <a:buNone/>
-            </a:pPr>
-            <a:r>
-              <a:rPr lang="en">
-                <a:solidFill>
-                  <a:schemeClr val="lt1"/>
-                </a:solidFill>
-                <a:latin typeface="Roboto"/>
-                <a:ea typeface="Roboto"/>
-                <a:cs typeface="Roboto"/>
-                <a:sym typeface="Roboto"/>
-              </a:rPr>
-              <a:t>Inertia</a:t>
-            </a:r>
-            <a:endParaRPr>
-              <a:solidFill>
-                <a:schemeClr val="lt1"/>
-              </a:solidFill>
-              <a:latin typeface="Roboto"/>
-              <a:ea typeface="Roboto"/>
-              <a:cs typeface="Roboto"/>
-              <a:sym typeface="Roboto"/>
-            </a:endParaRPr>
-          </a:p>
-        </p:txBody>
-      </p:sp>
-      <p:sp>
-        <p:nvSpPr>
-          <p:cNvPr id="252" name="Google Shape;252;p38"/>
-          <p:cNvSpPr txBox="1"/>
-          <p:nvPr/>
-        </p:nvSpPr>
-        <p:spPr>
-          <a:xfrm>
-            <a:off x="5888600" y="4347250"/>
-            <a:ext cx="1174500" cy="400200"/>
-          </a:xfrm>
-          <a:prstGeom prst="rect">
-            <a:avLst/>
-          </a:prstGeom>
-          <a:noFill/>
-          <a:ln>
-            <a:noFill/>
-          </a:ln>
-        </p:spPr>
-        <p:txBody>
-          <a:bodyPr anchorCtr="0" anchor="t" bIns="91425" lIns="91425" spcFirstLastPara="1" rIns="91425" wrap="square" tIns="91425">
-            <a:spAutoFit/>
-          </a:bodyPr>
-          <a:lstStyle/>
-          <a:p>
-            <a:pPr indent="0" lvl="0" marL="0" rtl="0" algn="l">
-              <a:spcBef>
-                <a:spcPts val="0"/>
-              </a:spcBef>
-              <a:spcAft>
-                <a:spcPts val="0"/>
-              </a:spcAft>
-              <a:buNone/>
-            </a:pPr>
-            <a:r>
-              <a:rPr lang="en">
-                <a:solidFill>
-                  <a:schemeClr val="lt1"/>
-                </a:solidFill>
-                <a:latin typeface="Roboto"/>
-                <a:ea typeface="Roboto"/>
-                <a:cs typeface="Roboto"/>
-                <a:sym typeface="Roboto"/>
-              </a:rPr>
-              <a:t>Dunn Index</a:t>
-            </a:r>
-            <a:endParaRPr>
-              <a:solidFill>
-                <a:schemeClr val="lt1"/>
-              </a:solidFill>
-              <a:latin typeface="Roboto"/>
-              <a:ea typeface="Roboto"/>
-              <a:cs typeface="Roboto"/>
-              <a:sym typeface="Roboto"/>
-            </a:endParaRPr>
+            <a:pPr indent="0" lvl="0" marL="0" rtl="0" algn="ctr">
+              <a:spcBef>
+                <a:spcPts val="0"/>
+              </a:spcBef>
+              <a:spcAft>
+                <a:spcPts val="0"/>
+              </a:spcAft>
+              <a:buNone/>
+            </a:pPr>
+            <a:r>
+              <a:rPr lang="en" sz="2400"/>
+              <a:t>Number of Products per cluster</a:t>
+            </a:r>
+            <a:endParaRPr sz="2400"/>
+          </a:p>
+          <a:p>
+            <a:pPr indent="0" lvl="0" marL="0" rtl="0" algn="ctr">
+              <a:spcBef>
+                <a:spcPts val="0"/>
+              </a:spcBef>
+              <a:spcAft>
+                <a:spcPts val="0"/>
+              </a:spcAft>
+              <a:buNone/>
+            </a:pPr>
+            <a:r>
+              <a:t/>
+            </a:r>
+            <a:endParaRPr sz="2400"/>
+          </a:p>
+          <a:p>
+            <a:pPr indent="0" lvl="0" marL="0" rtl="0" algn="ctr">
+              <a:spcBef>
+                <a:spcPts val="0"/>
+              </a:spcBef>
+              <a:spcAft>
+                <a:spcPts val="0"/>
+              </a:spcAft>
+              <a:buNone/>
+            </a:pPr>
+            <a:r>
+              <a:rPr lang="en" sz="2400"/>
+              <a:t>0 : 622</a:t>
+            </a:r>
+            <a:endParaRPr sz="2400"/>
+          </a:p>
+          <a:p>
+            <a:pPr indent="457200" lvl="0" marL="1828800" rtl="0" algn="l">
+              <a:spcBef>
+                <a:spcPts val="0"/>
+              </a:spcBef>
+              <a:spcAft>
+                <a:spcPts val="0"/>
+              </a:spcAft>
+              <a:buNone/>
+            </a:pPr>
+            <a:r>
+              <a:rPr lang="en" sz="2400"/>
+              <a:t>1 : 97</a:t>
+            </a:r>
+            <a:endParaRPr sz="2400"/>
+          </a:p>
+          <a:p>
+            <a:pPr indent="0" lvl="0" marL="0" rtl="0" algn="ctr">
+              <a:spcBef>
+                <a:spcPts val="0"/>
+              </a:spcBef>
+              <a:spcAft>
+                <a:spcPts val="0"/>
+              </a:spcAft>
+              <a:buNone/>
+            </a:pPr>
+            <a:r>
+              <a:rPr lang="en" sz="2400"/>
+              <a:t>   2 : 1076</a:t>
+            </a:r>
+            <a:endParaRPr sz="2400"/>
+          </a:p>
+          <a:p>
+            <a:pPr indent="0" lvl="0" marL="0" rtl="0" algn="ctr">
+              <a:spcBef>
+                <a:spcPts val="0"/>
+              </a:spcBef>
+              <a:spcAft>
+                <a:spcPts val="0"/>
+              </a:spcAft>
+              <a:buNone/>
+            </a:pPr>
+            <a:r>
+              <a:rPr lang="en" sz="2400"/>
+              <a:t> 3 : 510</a:t>
+            </a:r>
+            <a:endParaRPr sz="2400"/>
+          </a:p>
+          <a:p>
+            <a:pPr indent="0" lvl="0" marL="0" rtl="0" algn="ctr">
+              <a:spcBef>
+                <a:spcPts val="0"/>
+              </a:spcBef>
+              <a:spcAft>
+                <a:spcPts val="0"/>
+              </a:spcAft>
+              <a:buNone/>
+            </a:pPr>
+            <a:r>
+              <a:rPr lang="en" sz="2400"/>
+              <a:t> 4 : 404</a:t>
+            </a:r>
+            <a:endParaRPr sz="2400"/>
+          </a:p>
+          <a:p>
+            <a:pPr indent="0" lvl="0" marL="0" rtl="0" algn="ctr">
+              <a:spcBef>
+                <a:spcPts val="0"/>
+              </a:spcBef>
+              <a:spcAft>
+                <a:spcPts val="0"/>
+              </a:spcAft>
+              <a:buNone/>
+            </a:pPr>
+            <a:r>
+              <a:rPr lang="en" sz="2400"/>
+              <a:t> 5 : 925</a:t>
+            </a:r>
+            <a:endParaRPr sz="2400"/>
+          </a:p>
+          <a:p>
+            <a:pPr indent="457200" lvl="0" marL="1828800" rtl="0" algn="l">
+              <a:spcBef>
+                <a:spcPts val="0"/>
+              </a:spcBef>
+              <a:spcAft>
+                <a:spcPts val="0"/>
+              </a:spcAft>
+              <a:buNone/>
+            </a:pPr>
+            <a:r>
+              <a:rPr lang="en" sz="2400"/>
+              <a:t>6 : 31</a:t>
+            </a:r>
+            <a:endParaRPr sz="2400"/>
+          </a:p>
+          <a:p>
+            <a:pPr indent="457200" lvl="0" marL="1828800" rtl="0" algn="l">
+              <a:spcBef>
+                <a:spcPts val="0"/>
+              </a:spcBef>
+              <a:spcAft>
+                <a:spcPts val="0"/>
+              </a:spcAft>
+              <a:buNone/>
+            </a:pPr>
+            <a:r>
+              <a:t/>
+            </a:r>
+            <a:endParaRPr sz="2400"/>
+          </a:p>
+          <a:p>
+            <a:pPr indent="0" lvl="0" marL="0" rtl="0" algn="ctr">
+              <a:spcBef>
+                <a:spcPts val="0"/>
+              </a:spcBef>
+              <a:spcAft>
+                <a:spcPts val="0"/>
+              </a:spcAft>
+              <a:buNone/>
+            </a:pPr>
+            <a:r>
+              <a:rPr lang="en" sz="2400"/>
+              <a:t>Total = 3665</a:t>
+            </a:r>
+            <a:endParaRPr sz="2400"/>
           </a:p>
         </p:txBody>
       </p:sp>
@@ -15166,7 +15352,7 @@
   <p:cSld>
     <p:spTree>
       <p:nvGrpSpPr>
-        <p:cNvPr id="256" name="Shape 256"/>
+        <p:cNvPr id="252" name="Shape 252"/>
         <p:cNvGrpSpPr/>
         <p:nvPr/>
       </p:nvGrpSpPr>
@@ -15180,7 +15366,7 @@
       </p:grpSpPr>
       <p:sp>
         <p:nvSpPr>
-          <p:cNvPr id="257" name="Google Shape;257;p39"/>
+          <p:cNvPr id="253" name="Google Shape;253;p39"/>
           <p:cNvSpPr txBox="1"/>
           <p:nvPr>
             <p:ph type="title"/>
@@ -15188,20 +15374,20 @@
         </p:nvSpPr>
         <p:spPr>
           <a:xfrm>
-            <a:off x="265500" y="1151100"/>
-            <a:ext cx="4045200" cy="1564500"/>
+            <a:off x="460950" y="410675"/>
+            <a:ext cx="8222100" cy="767700"/>
           </a:xfrm>
           <a:prstGeom prst="rect">
             <a:avLst/>
           </a:prstGeom>
         </p:spPr>
         <p:txBody>
-          <a:bodyPr anchorCtr="0" anchor="b" bIns="91425" lIns="91425" spcFirstLastPara="1" rIns="91425" wrap="square" tIns="91425">
+          <a:bodyPr anchorCtr="0" anchor="ctr" bIns="91425" lIns="91425" spcFirstLastPara="1" rIns="91425" wrap="square" tIns="91425">
             <a:normAutofit fontScale="90000"/>
           </a:bodyPr>
           <a:lstStyle/>
           <a:p>
-            <a:pPr indent="0" lvl="0" marL="0" rtl="0" algn="ctr">
+            <a:pPr indent="0" lvl="0" marL="0" rtl="0" algn="l">
               <a:spcBef>
                 <a:spcPts val="0"/>
               </a:spcBef>
@@ -15212,32 +15398,90 @@
             </a:pPr>
             <a:r>
               <a:rPr lang="en"/>
-              <a:t>Insights on Final Clustered Data</a:t>
+              <a:t>Customer Categorization</a:t>
             </a:r>
             <a:endParaRPr/>
           </a:p>
         </p:txBody>
       </p:sp>
-      <p:sp>
-        <p:nvSpPr>
-          <p:cNvPr id="258" name="Google Shape;258;p39"/>
-          <p:cNvSpPr txBox="1"/>
-          <p:nvPr>
-            <p:ph idx="2" type="body"/>
-          </p:nvPr>
-        </p:nvSpPr>
-        <p:spPr>
-          <a:xfrm>
-            <a:off x="4939500" y="724200"/>
-            <a:ext cx="3837000" cy="3695100"/>
+      <p:pic>
+        <p:nvPicPr>
+          <p:cNvPr id="254" name="Google Shape;254;p39"/>
+          <p:cNvPicPr preferRelativeResize="0"/>
+          <p:nvPr/>
+        </p:nvPicPr>
+        <p:blipFill>
+          <a:blip r:embed="rId3">
+            <a:alphaModFix/>
+          </a:blip>
+          <a:stretch>
+            <a:fillRect/>
+          </a:stretch>
+        </p:blipFill>
+        <p:spPr>
+          <a:xfrm>
+            <a:off x="789775" y="2011925"/>
+            <a:ext cx="3145675" cy="2225975"/>
           </a:xfrm>
           <a:prstGeom prst="rect">
             <a:avLst/>
           </a:prstGeom>
+          <a:noFill/>
+          <a:ln>
+            <a:noFill/>
+          </a:ln>
+        </p:spPr>
+      </p:pic>
+      <p:pic>
+        <p:nvPicPr>
+          <p:cNvPr id="255" name="Google Shape;255;p39"/>
+          <p:cNvPicPr preferRelativeResize="0"/>
+          <p:nvPr/>
+        </p:nvPicPr>
+        <p:blipFill>
+          <a:blip r:embed="rId4">
+            <a:alphaModFix/>
+          </a:blip>
+          <a:stretch>
+            <a:fillRect/>
+          </a:stretch>
+        </p:blipFill>
+        <p:spPr>
+          <a:xfrm>
+            <a:off x="4573745" y="2011925"/>
+            <a:ext cx="3307555" cy="2225975"/>
+          </a:xfrm>
+          <a:prstGeom prst="rect">
+            <a:avLst/>
+          </a:prstGeom>
+          <a:noFill/>
+          <a:ln>
+            <a:noFill/>
+          </a:ln>
+        </p:spPr>
+      </p:pic>
+      <p:sp>
+        <p:nvSpPr>
+          <p:cNvPr id="256" name="Google Shape;256;p39"/>
+          <p:cNvSpPr txBox="1"/>
+          <p:nvPr/>
+        </p:nvSpPr>
+        <p:spPr>
+          <a:xfrm>
+            <a:off x="1870813" y="4298600"/>
+            <a:ext cx="993000" cy="400200"/>
+          </a:xfrm>
+          <a:prstGeom prst="rect">
+            <a:avLst/>
+          </a:prstGeom>
+          <a:noFill/>
+          <a:ln>
+            <a:noFill/>
+          </a:ln>
         </p:spPr>
         <p:txBody>
-          <a:bodyPr anchorCtr="0" anchor="ctr" bIns="91425" lIns="91425" spcFirstLastPara="1" rIns="91425" wrap="square" tIns="91425">
-            <a:normAutofit/>
+          <a:bodyPr anchorCtr="0" anchor="t" bIns="91425" lIns="91425" spcFirstLastPara="1" rIns="91425" wrap="square" tIns="91425">
+            <a:spAutoFit/>
           </a:bodyPr>
           <a:lstStyle/>
           <a:p>
@@ -15246,15 +15490,89 @@
                 <a:spcPts val="0"/>
               </a:spcBef>
               <a:spcAft>
-                <a:spcPts val="1200"/>
-              </a:spcAft>
-              <a:buNone/>
-            </a:pPr>
-            <a:r>
-              <a:rPr lang="en"/>
-              <a:t>Targeting different categories of customers with different product categories</a:t>
-            </a:r>
-            <a:endParaRPr/>
+                <a:spcPts val="0"/>
+              </a:spcAft>
+              <a:buNone/>
+            </a:pPr>
+            <a:r>
+              <a:rPr lang="en">
+                <a:solidFill>
+                  <a:schemeClr val="lt1"/>
+                </a:solidFill>
+                <a:latin typeface="Roboto"/>
+                <a:ea typeface="Roboto"/>
+                <a:cs typeface="Roboto"/>
+                <a:sym typeface="Roboto"/>
+              </a:rPr>
+              <a:t>Inertia</a:t>
+            </a:r>
+            <a:endParaRPr>
+              <a:solidFill>
+                <a:schemeClr val="lt1"/>
+              </a:solidFill>
+              <a:latin typeface="Roboto"/>
+              <a:ea typeface="Roboto"/>
+              <a:cs typeface="Roboto"/>
+              <a:sym typeface="Roboto"/>
+            </a:endParaRPr>
+          </a:p>
+        </p:txBody>
+      </p:sp>
+      <p:sp>
+        <p:nvSpPr>
+          <p:cNvPr id="257" name="Google Shape;257;p39"/>
+          <p:cNvSpPr txBox="1"/>
+          <p:nvPr/>
+        </p:nvSpPr>
+        <p:spPr>
+          <a:xfrm>
+            <a:off x="5888600" y="4347250"/>
+            <a:ext cx="1174500" cy="400200"/>
+          </a:xfrm>
+          <a:prstGeom prst="rect">
+            <a:avLst/>
+          </a:prstGeom>
+          <a:noFill/>
+          <a:ln>
+            <a:noFill/>
+          </a:ln>
+        </p:spPr>
+        <p:txBody>
+          <a:bodyPr anchorCtr="0" anchor="t" bIns="91425" lIns="91425" spcFirstLastPara="1" rIns="91425" wrap="square" tIns="91425">
+            <a:spAutoFit/>
+          </a:bodyPr>
+          <a:lstStyle/>
+          <a:p>
+            <a:pPr indent="0" lvl="0" marL="0" rtl="0" algn="l">
+              <a:spcBef>
+                <a:spcPts val="0"/>
+              </a:spcBef>
+              <a:spcAft>
+                <a:spcPts val="0"/>
+              </a:spcAft>
+              <a:buNone/>
+            </a:pPr>
+            <a:r>
+              <a:rPr lang="en">
+                <a:solidFill>
+                  <a:schemeClr val="lt1"/>
+                </a:solidFill>
+                <a:latin typeface="Roboto"/>
+                <a:ea typeface="Roboto"/>
+                <a:cs typeface="Roboto"/>
+                <a:sym typeface="Roboto"/>
+              </a:rPr>
+              <a:t>Dunn Index</a:t>
+            </a:r>
+            <a:endParaRPr>
+              <a:solidFill>
+                <a:schemeClr val="lt1"/>
+              </a:solidFill>
+              <a:latin typeface="Roboto"/>
+              <a:ea typeface="Roboto"/>
+              <a:cs typeface="Roboto"/>
+              <a:sym typeface="Roboto"/>
+            </a:endParaRPr>
           </a:p>
         </p:txBody>
       </p:sp>
@@ -15271,7 +15589,7 @@
   <p:cSld>
     <p:spTree>
       <p:nvGrpSpPr>
-        <p:cNvPr id="262" name="Shape 262"/>
+        <p:cNvPr id="261" name="Shape 261"/>
         <p:cNvGrpSpPr/>
         <p:nvPr/>
       </p:nvGrpSpPr>
@@ -15285,7 +15603,7 @@
       </p:grpSpPr>
       <p:sp>
         <p:nvSpPr>
-          <p:cNvPr id="263" name="Google Shape;263;p40"/>
+          <p:cNvPr id="262" name="Google Shape;262;p40"/>
           <p:cNvSpPr txBox="1"/>
           <p:nvPr>
             <p:ph type="title"/>
@@ -15294,7 +15612,7 @@
         <p:spPr>
           <a:xfrm>
             <a:off x="490250" y="526350"/>
-            <a:ext cx="5618700" cy="629700"/>
+            <a:ext cx="5618700" cy="4090800"/>
           </a:xfrm>
           <a:prstGeom prst="rect">
             <a:avLst/>
@@ -15302,300 +15620,166 @@
         </p:spPr>
         <p:txBody>
           <a:bodyPr anchorCtr="0" anchor="ctr" bIns="91425" lIns="91425" spcFirstLastPara="1" rIns="91425" wrap="square" tIns="91425">
-            <a:normAutofit fontScale="90000"/>
+            <a:normAutofit/>
           </a:bodyPr>
           <a:lstStyle/>
           <a:p>
-            <a:pPr indent="0" lvl="0" marL="0" rtl="0" algn="l">
-              <a:spcBef>
-                <a:spcPts val="0"/>
-              </a:spcBef>
-              <a:spcAft>
-                <a:spcPts val="0"/>
-              </a:spcAft>
-              <a:buNone/>
-            </a:pPr>
-            <a:r>
-              <a:rPr lang="en"/>
-              <a:t>Price Ranges</a:t>
+            <a:pPr indent="0" lvl="0" marL="0" rtl="0" algn="ctr">
+              <a:spcBef>
+                <a:spcPts val="0"/>
+              </a:spcBef>
+              <a:spcAft>
+                <a:spcPts val="0"/>
+              </a:spcAft>
+              <a:buNone/>
+            </a:pPr>
+            <a:r>
+              <a:rPr lang="en" sz="2400"/>
+              <a:t>Number of Customers per cluster</a:t>
+            </a:r>
+            <a:endParaRPr sz="2400"/>
+          </a:p>
+          <a:p>
+            <a:pPr indent="0" lvl="0" marL="0" rtl="0" algn="ctr">
+              <a:spcBef>
+                <a:spcPts val="0"/>
+              </a:spcBef>
+              <a:spcAft>
+                <a:spcPts val="0"/>
+              </a:spcAft>
+              <a:buNone/>
+            </a:pPr>
+            <a:r>
+              <a:t/>
+            </a:r>
+            <a:endParaRPr sz="2400"/>
+          </a:p>
+          <a:p>
+            <a:pPr indent="457200" lvl="0" marL="0" rtl="0" algn="l">
+              <a:spcBef>
+                <a:spcPts val="0"/>
+              </a:spcBef>
+              <a:spcAft>
+                <a:spcPts val="0"/>
+              </a:spcAft>
+              <a:buNone/>
+            </a:pPr>
+            <a:r>
+              <a:rPr lang="en" sz="2400"/>
+              <a:t>                         0 : 1887</a:t>
+            </a:r>
+            <a:endParaRPr sz="2400"/>
+          </a:p>
+          <a:p>
+            <a:pPr indent="457200" lvl="0" marL="1828800" rtl="0" algn="l">
+              <a:spcBef>
+                <a:spcPts val="0"/>
+              </a:spcBef>
+              <a:spcAft>
+                <a:spcPts val="0"/>
+              </a:spcAft>
+              <a:buNone/>
+            </a:pPr>
+            <a:r>
+              <a:rPr lang="en" sz="2400"/>
+              <a:t> 1 : 4</a:t>
+            </a:r>
+            <a:endParaRPr sz="2400"/>
+          </a:p>
+          <a:p>
+            <a:pPr indent="457200" lvl="0" marL="1828800" rtl="0" algn="l">
+              <a:spcBef>
+                <a:spcPts val="0"/>
+              </a:spcBef>
+              <a:spcAft>
+                <a:spcPts val="0"/>
+              </a:spcAft>
+              <a:buNone/>
+            </a:pPr>
+            <a:r>
+              <a:rPr lang="en" sz="2400"/>
+              <a:t> 2 : 3</a:t>
+            </a:r>
+            <a:endParaRPr sz="2400"/>
+          </a:p>
+          <a:p>
+            <a:pPr indent="0" lvl="0" marL="0" rtl="0" algn="ctr">
+              <a:spcBef>
+                <a:spcPts val="0"/>
+              </a:spcBef>
+              <a:spcAft>
+                <a:spcPts val="0"/>
+              </a:spcAft>
+              <a:buNone/>
+            </a:pPr>
+            <a:r>
+              <a:rPr lang="en" sz="2400"/>
+              <a:t>3 : 27</a:t>
+            </a:r>
+            <a:endParaRPr sz="2400"/>
+          </a:p>
+          <a:p>
+            <a:pPr indent="0" lvl="0" marL="0" rtl="0" algn="ctr">
+              <a:spcBef>
+                <a:spcPts val="0"/>
+              </a:spcBef>
+              <a:spcAft>
+                <a:spcPts val="0"/>
+              </a:spcAft>
+              <a:buNone/>
+            </a:pPr>
+            <a:r>
+              <a:rPr lang="en" sz="2400"/>
+              <a:t>  4 : 209</a:t>
+            </a:r>
+            <a:endParaRPr sz="2400"/>
+          </a:p>
+          <a:p>
+            <a:pPr indent="0" lvl="0" marL="0" rtl="0" algn="ctr">
+              <a:spcBef>
+                <a:spcPts val="0"/>
+              </a:spcBef>
+              <a:spcAft>
+                <a:spcPts val="0"/>
+              </a:spcAft>
+              <a:buNone/>
+            </a:pPr>
+            <a:r>
+              <a:rPr lang="en" sz="2400"/>
+              <a:t>    5 : 2197</a:t>
+            </a:r>
+            <a:endParaRPr sz="2400"/>
+          </a:p>
+          <a:p>
+            <a:pPr indent="0" lvl="0" marL="0" rtl="0" algn="ctr">
+              <a:spcBef>
+                <a:spcPts val="0"/>
+              </a:spcBef>
+              <a:spcAft>
+                <a:spcPts val="0"/>
+              </a:spcAft>
+              <a:buNone/>
+            </a:pPr>
+            <a:r>
+              <a:t/>
+            </a:r>
+            <a:endParaRPr sz="2400"/>
+          </a:p>
+          <a:p>
+            <a:pPr indent="0" lvl="0" marL="0" rtl="0" algn="ctr">
+              <a:spcBef>
+                <a:spcPts val="0"/>
+              </a:spcBef>
+              <a:spcAft>
+                <a:spcPts val="0"/>
+              </a:spcAft>
+              <a:buNone/>
+            </a:pPr>
+            <a:r>
+              <a:rPr lang="en" sz="2400"/>
+              <a:t>Total = 4327</a:t>
             </a:r>
             <a:endParaRPr/>
-          </a:p>
-        </p:txBody>
-      </p:sp>
-      <p:pic>
-        <p:nvPicPr>
-          <p:cNvPr id="264" name="Google Shape;264;p40"/>
-          <p:cNvPicPr preferRelativeResize="0"/>
-          <p:nvPr/>
-        </p:nvPicPr>
-        <p:blipFill>
-          <a:blip r:embed="rId3">
-            <a:alphaModFix/>
-          </a:blip>
-          <a:stretch>
-            <a:fillRect/>
-          </a:stretch>
-        </p:blipFill>
-        <p:spPr>
-          <a:xfrm>
-            <a:off x="723075" y="1427025"/>
-            <a:ext cx="4562475" cy="2933700"/>
-          </a:xfrm>
-          <a:prstGeom prst="rect">
-            <a:avLst/>
-          </a:prstGeom>
-          <a:noFill/>
-          <a:ln>
-            <a:noFill/>
-          </a:ln>
-        </p:spPr>
-      </p:pic>
-      <p:sp>
-        <p:nvSpPr>
-          <p:cNvPr id="265" name="Google Shape;265;p40"/>
-          <p:cNvSpPr txBox="1"/>
-          <p:nvPr/>
-        </p:nvSpPr>
-        <p:spPr>
-          <a:xfrm>
-            <a:off x="5877225" y="1719450"/>
-            <a:ext cx="2223300" cy="2124000"/>
-          </a:xfrm>
-          <a:prstGeom prst="rect">
-            <a:avLst/>
-          </a:prstGeom>
-          <a:noFill/>
-          <a:ln>
-            <a:noFill/>
-          </a:ln>
-        </p:spPr>
-        <p:txBody>
-          <a:bodyPr anchorCtr="0" anchor="t" bIns="91425" lIns="91425" spcFirstLastPara="1" rIns="91425" wrap="square" tIns="91425">
-            <a:spAutoFit/>
-          </a:bodyPr>
-          <a:lstStyle/>
-          <a:p>
-            <a:pPr indent="-361950" lvl="0" marL="457200" rtl="0" algn="l">
-              <a:spcBef>
-                <a:spcPts val="0"/>
-              </a:spcBef>
-              <a:spcAft>
-                <a:spcPts val="0"/>
-              </a:spcAft>
-              <a:buClr>
-                <a:schemeClr val="lt1"/>
-              </a:buClr>
-              <a:buSzPts val="2100"/>
-              <a:buFont typeface="Roboto"/>
-              <a:buChar char="➔"/>
-            </a:pPr>
-            <a:r>
-              <a:rPr lang="en" sz="2100">
-                <a:solidFill>
-                  <a:schemeClr val="lt1"/>
-                </a:solidFill>
-                <a:latin typeface="Roboto"/>
-                <a:ea typeface="Roboto"/>
-                <a:cs typeface="Roboto"/>
-                <a:sym typeface="Roboto"/>
-              </a:rPr>
-              <a:t>0-1</a:t>
-            </a:r>
-            <a:endParaRPr sz="2100">
-              <a:solidFill>
-                <a:schemeClr val="lt1"/>
-              </a:solidFill>
-              <a:latin typeface="Roboto"/>
-              <a:ea typeface="Roboto"/>
-              <a:cs typeface="Roboto"/>
-              <a:sym typeface="Roboto"/>
-            </a:endParaRPr>
-          </a:p>
-          <a:p>
-            <a:pPr indent="-361950" lvl="0" marL="457200" rtl="0" algn="l">
-              <a:spcBef>
-                <a:spcPts val="0"/>
-              </a:spcBef>
-              <a:spcAft>
-                <a:spcPts val="0"/>
-              </a:spcAft>
-              <a:buClr>
-                <a:schemeClr val="lt1"/>
-              </a:buClr>
-              <a:buSzPts val="2100"/>
-              <a:buFont typeface="Roboto"/>
-              <a:buChar char="➔"/>
-            </a:pPr>
-            <a:r>
-              <a:rPr lang="en" sz="2100">
-                <a:solidFill>
-                  <a:schemeClr val="lt1"/>
-                </a:solidFill>
-                <a:latin typeface="Roboto"/>
-                <a:ea typeface="Roboto"/>
-                <a:cs typeface="Roboto"/>
-                <a:sym typeface="Roboto"/>
-              </a:rPr>
-              <a:t>1-2</a:t>
-            </a:r>
-            <a:endParaRPr sz="2100">
-              <a:solidFill>
-                <a:schemeClr val="lt1"/>
-              </a:solidFill>
-              <a:latin typeface="Roboto"/>
-              <a:ea typeface="Roboto"/>
-              <a:cs typeface="Roboto"/>
-              <a:sym typeface="Roboto"/>
-            </a:endParaRPr>
-          </a:p>
-          <a:p>
-            <a:pPr indent="-361950" lvl="0" marL="457200" rtl="0" algn="l">
-              <a:spcBef>
-                <a:spcPts val="0"/>
-              </a:spcBef>
-              <a:spcAft>
-                <a:spcPts val="0"/>
-              </a:spcAft>
-              <a:buClr>
-                <a:schemeClr val="lt1"/>
-              </a:buClr>
-              <a:buSzPts val="2100"/>
-              <a:buFont typeface="Roboto"/>
-              <a:buChar char="➔"/>
-            </a:pPr>
-            <a:r>
-              <a:rPr lang="en" sz="2100">
-                <a:solidFill>
-                  <a:schemeClr val="lt1"/>
-                </a:solidFill>
-                <a:latin typeface="Roboto"/>
-                <a:ea typeface="Roboto"/>
-                <a:cs typeface="Roboto"/>
-                <a:sym typeface="Roboto"/>
-              </a:rPr>
-              <a:t>2-3</a:t>
-            </a:r>
-            <a:endParaRPr sz="2100">
-              <a:solidFill>
-                <a:schemeClr val="lt1"/>
-              </a:solidFill>
-              <a:latin typeface="Roboto"/>
-              <a:ea typeface="Roboto"/>
-              <a:cs typeface="Roboto"/>
-              <a:sym typeface="Roboto"/>
-            </a:endParaRPr>
-          </a:p>
-          <a:p>
-            <a:pPr indent="-361950" lvl="0" marL="457200" rtl="0" algn="l">
-              <a:spcBef>
-                <a:spcPts val="0"/>
-              </a:spcBef>
-              <a:spcAft>
-                <a:spcPts val="0"/>
-              </a:spcAft>
-              <a:buClr>
-                <a:schemeClr val="lt1"/>
-              </a:buClr>
-              <a:buSzPts val="2100"/>
-              <a:buFont typeface="Roboto"/>
-              <a:buChar char="➔"/>
-            </a:pPr>
-            <a:r>
-              <a:rPr lang="en" sz="2100">
-                <a:solidFill>
-                  <a:schemeClr val="lt1"/>
-                </a:solidFill>
-                <a:latin typeface="Roboto"/>
-                <a:ea typeface="Roboto"/>
-                <a:cs typeface="Roboto"/>
-                <a:sym typeface="Roboto"/>
-              </a:rPr>
-              <a:t>3-5</a:t>
-            </a:r>
-            <a:endParaRPr sz="2100">
-              <a:solidFill>
-                <a:schemeClr val="lt1"/>
-              </a:solidFill>
-              <a:latin typeface="Roboto"/>
-              <a:ea typeface="Roboto"/>
-              <a:cs typeface="Roboto"/>
-              <a:sym typeface="Roboto"/>
-            </a:endParaRPr>
-          </a:p>
-          <a:p>
-            <a:pPr indent="-361950" lvl="0" marL="457200" rtl="0" algn="l">
-              <a:spcBef>
-                <a:spcPts val="0"/>
-              </a:spcBef>
-              <a:spcAft>
-                <a:spcPts val="0"/>
-              </a:spcAft>
-              <a:buClr>
-                <a:schemeClr val="lt1"/>
-              </a:buClr>
-              <a:buSzPts val="2100"/>
-              <a:buFont typeface="Roboto"/>
-              <a:buChar char="➔"/>
-            </a:pPr>
-            <a:r>
-              <a:rPr lang="en" sz="2100">
-                <a:solidFill>
-                  <a:schemeClr val="lt1"/>
-                </a:solidFill>
-                <a:latin typeface="Roboto"/>
-                <a:ea typeface="Roboto"/>
-                <a:cs typeface="Roboto"/>
-                <a:sym typeface="Roboto"/>
-              </a:rPr>
-              <a:t>5-10</a:t>
-            </a:r>
-            <a:endParaRPr sz="2100">
-              <a:solidFill>
-                <a:schemeClr val="lt1"/>
-              </a:solidFill>
-              <a:latin typeface="Roboto"/>
-              <a:ea typeface="Roboto"/>
-              <a:cs typeface="Roboto"/>
-              <a:sym typeface="Roboto"/>
-            </a:endParaRPr>
-          </a:p>
-          <a:p>
-            <a:pPr indent="-361950" lvl="0" marL="457200" rtl="0" algn="l">
-              <a:spcBef>
-                <a:spcPts val="0"/>
-              </a:spcBef>
-              <a:spcAft>
-                <a:spcPts val="0"/>
-              </a:spcAft>
-              <a:buClr>
-                <a:schemeClr val="lt1"/>
-              </a:buClr>
-              <a:buSzPts val="2100"/>
-              <a:buFont typeface="Roboto"/>
-              <a:buChar char="➔"/>
-            </a:pPr>
-            <a:r>
-              <a:rPr lang="en" sz="2100">
-                <a:solidFill>
-                  <a:schemeClr val="lt1"/>
-                </a:solidFill>
-                <a:latin typeface="Roboto"/>
-                <a:ea typeface="Roboto"/>
-                <a:cs typeface="Roboto"/>
-                <a:sym typeface="Roboto"/>
-              </a:rPr>
-              <a:t>&gt;10</a:t>
-            </a:r>
-            <a:endParaRPr sz="2100">
-              <a:solidFill>
-                <a:schemeClr val="lt1"/>
-              </a:solidFill>
-              <a:latin typeface="Roboto"/>
-              <a:ea typeface="Roboto"/>
-              <a:cs typeface="Roboto"/>
-              <a:sym typeface="Roboto"/>
-            </a:endParaRPr>
           </a:p>
         </p:txBody>
       </p:sp>
@@ -15612,7 +15796,7 @@
   <p:cSld>
     <p:spTree>
       <p:nvGrpSpPr>
-        <p:cNvPr id="269" name="Shape 269"/>
+        <p:cNvPr id="266" name="Shape 266"/>
         <p:cNvGrpSpPr/>
         <p:nvPr/>
       </p:nvGrpSpPr>
@@ -15626,7 +15810,7 @@
       </p:grpSpPr>
       <p:sp>
         <p:nvSpPr>
-          <p:cNvPr id="270" name="Google Shape;270;p41"/>
+          <p:cNvPr id="267" name="Google Shape;267;p41"/>
           <p:cNvSpPr txBox="1"/>
           <p:nvPr>
             <p:ph type="title"/>
@@ -15634,8 +15818,48 @@
         </p:nvSpPr>
         <p:spPr>
           <a:xfrm>
-            <a:off x="490250" y="526350"/>
-            <a:ext cx="6898800" cy="4090800"/>
+            <a:off x="265500" y="1151100"/>
+            <a:ext cx="4045200" cy="1564500"/>
+          </a:xfrm>
+          <a:prstGeom prst="rect">
+            <a:avLst/>
+          </a:prstGeom>
+        </p:spPr>
+        <p:txBody>
+          <a:bodyPr anchorCtr="0" anchor="b" bIns="91425" lIns="91425" spcFirstLastPara="1" rIns="91425" wrap="square" tIns="91425">
+            <a:normAutofit fontScale="90000"/>
+          </a:bodyPr>
+          <a:lstStyle/>
+          <a:p>
+            <a:pPr indent="0" lvl="0" marL="0" rtl="0" algn="ctr">
+              <a:spcBef>
+                <a:spcPts val="0"/>
+              </a:spcBef>
+              <a:spcAft>
+                <a:spcPts val="0"/>
+              </a:spcAft>
+              <a:buNone/>
+            </a:pPr>
+            <a:r>
+              <a:rPr lang="en"/>
+              <a:t>Insights on Final Clustered Data</a:t>
+            </a:r>
+            <a:endParaRPr/>
+          </a:p>
+        </p:txBody>
+      </p:sp>
+      <p:sp>
+        <p:nvSpPr>
+          <p:cNvPr id="268" name="Google Shape;268;p41"/>
+          <p:cNvSpPr txBox="1"/>
+          <p:nvPr>
+            <p:ph idx="2" type="body"/>
+          </p:nvPr>
+        </p:nvSpPr>
+        <p:spPr>
+          <a:xfrm>
+            <a:off x="4939500" y="724200"/>
+            <a:ext cx="3837000" cy="3695100"/>
           </a:xfrm>
           <a:prstGeom prst="rect">
             <a:avLst/>
@@ -15652,13 +15876,13 @@
                 <a:spcPts val="0"/>
               </a:spcBef>
               <a:spcAft>
-                <a:spcPts val="0"/>
+                <a:spcPts val="1200"/>
               </a:spcAft>
               <a:buNone/>
             </a:pPr>
             <a:r>
               <a:rPr lang="en"/>
-              <a:t>Customer Category Distribution for different Product Categories</a:t>
+              <a:t>Targeting different categories of customers with different product categories</a:t>
             </a:r>
             <a:endParaRPr/>
           </a:p>
@@ -15891,7 +16115,7 @@
   <p:cSld>
     <p:spTree>
       <p:nvGrpSpPr>
-        <p:cNvPr id="274" name="Shape 274"/>
+        <p:cNvPr id="272" name="Shape 272"/>
         <p:cNvGrpSpPr/>
         <p:nvPr/>
       </p:nvGrpSpPr>
@@ -15905,7 +16129,7 @@
       </p:grpSpPr>
       <p:sp>
         <p:nvSpPr>
-          <p:cNvPr id="275" name="Google Shape;275;p42"/>
+          <p:cNvPr id="273" name="Google Shape;273;p42"/>
           <p:cNvSpPr txBox="1"/>
           <p:nvPr>
             <p:ph type="title"/>
@@ -15913,8 +16137,8 @@
         </p:nvSpPr>
         <p:spPr>
           <a:xfrm>
-            <a:off x="605525" y="655250"/>
-            <a:ext cx="4804800" cy="838800"/>
+            <a:off x="490250" y="526350"/>
+            <a:ext cx="5618700" cy="629700"/>
           </a:xfrm>
           <a:prstGeom prst="rect">
             <a:avLst/>
@@ -15937,7 +16161,7 @@
             </a:pPr>
             <a:r>
               <a:rPr lang="en"/>
-              <a:t>Customer Category Distribution for Product Category - 1</a:t>
+              <a:t>Price Ranges</a:t>
             </a:r>
             <a:endParaRPr/>
           </a:p>
@@ -15945,7 +16169,7 @@
       </p:sp>
       <p:pic>
         <p:nvPicPr>
-          <p:cNvPr id="276" name="Google Shape;276;p42"/>
+          <p:cNvPr id="274" name="Google Shape;274;p42"/>
           <p:cNvPicPr preferRelativeResize="0"/>
           <p:nvPr/>
         </p:nvPicPr>
@@ -15959,8 +16183,8 @@
         </p:blipFill>
         <p:spPr>
           <a:xfrm>
-            <a:off x="2428875" y="2033225"/>
-            <a:ext cx="4286250" cy="2905125"/>
+            <a:off x="723075" y="1427025"/>
+            <a:ext cx="4562475" cy="2933700"/>
           </a:xfrm>
           <a:prstGeom prst="rect">
             <a:avLst/>
@@ -15971,6 +16195,254 @@
           </a:ln>
         </p:spPr>
       </p:pic>
+      <p:sp>
+        <p:nvSpPr>
+          <p:cNvPr id="275" name="Google Shape;275;p42"/>
+          <p:cNvSpPr txBox="1"/>
+          <p:nvPr/>
+        </p:nvSpPr>
+        <p:spPr>
+          <a:xfrm>
+            <a:off x="5877225" y="1719450"/>
+            <a:ext cx="2223300" cy="2124000"/>
+          </a:xfrm>
+          <a:prstGeom prst="rect">
+            <a:avLst/>
+          </a:prstGeom>
+          <a:noFill/>
+          <a:ln>
+            <a:noFill/>
+          </a:ln>
+        </p:spPr>
+        <p:txBody>
+          <a:bodyPr anchorCtr="0" anchor="t" bIns="91425" lIns="91425" spcFirstLastPara="1" rIns="91425" wrap="square" tIns="91425">
+            <a:spAutoFit/>
+          </a:bodyPr>
+          <a:lstStyle/>
+          <a:p>
+            <a:pPr indent="-361950" lvl="0" marL="457200" rtl="0" algn="l">
+              <a:spcBef>
+                <a:spcPts val="0"/>
+              </a:spcBef>
+              <a:spcAft>
+                <a:spcPts val="0"/>
+              </a:spcAft>
+              <a:buClr>
+                <a:schemeClr val="lt1"/>
+              </a:buClr>
+              <a:buSzPts val="2100"/>
+              <a:buFont typeface="Roboto"/>
+              <a:buChar char="➔"/>
+            </a:pPr>
+            <a:r>
+              <a:rPr lang="en" sz="2100">
+                <a:solidFill>
+                  <a:schemeClr val="lt1"/>
+                </a:solidFill>
+                <a:latin typeface="Roboto"/>
+                <a:ea typeface="Roboto"/>
+                <a:cs typeface="Roboto"/>
+                <a:sym typeface="Roboto"/>
+              </a:rPr>
+              <a:t>0-1</a:t>
+            </a:r>
+            <a:endParaRPr sz="2100">
+              <a:solidFill>
+                <a:schemeClr val="lt1"/>
+              </a:solidFill>
+              <a:latin typeface="Roboto"/>
+              <a:ea typeface="Roboto"/>
+              <a:cs typeface="Roboto"/>
+              <a:sym typeface="Roboto"/>
+            </a:endParaRPr>
+          </a:p>
+          <a:p>
+            <a:pPr indent="-361950" lvl="0" marL="457200" rtl="0" algn="l">
+              <a:spcBef>
+                <a:spcPts val="0"/>
+              </a:spcBef>
+              <a:spcAft>
+                <a:spcPts val="0"/>
+              </a:spcAft>
+              <a:buClr>
+                <a:schemeClr val="lt1"/>
+              </a:buClr>
+              <a:buSzPts val="2100"/>
+              <a:buFont typeface="Roboto"/>
+              <a:buChar char="➔"/>
+            </a:pPr>
+            <a:r>
+              <a:rPr lang="en" sz="2100">
+                <a:solidFill>
+                  <a:schemeClr val="lt1"/>
+                </a:solidFill>
+                <a:latin typeface="Roboto"/>
+                <a:ea typeface="Roboto"/>
+                <a:cs typeface="Roboto"/>
+                <a:sym typeface="Roboto"/>
+              </a:rPr>
+              <a:t>1-2</a:t>
+            </a:r>
+            <a:endParaRPr sz="2100">
+              <a:solidFill>
+                <a:schemeClr val="lt1"/>
+              </a:solidFill>
+              <a:latin typeface="Roboto"/>
+              <a:ea typeface="Roboto"/>
+              <a:cs typeface="Roboto"/>
+              <a:sym typeface="Roboto"/>
+            </a:endParaRPr>
+          </a:p>
+          <a:p>
+            <a:pPr indent="-361950" lvl="0" marL="457200" rtl="0" algn="l">
+              <a:spcBef>
+                <a:spcPts val="0"/>
+              </a:spcBef>
+              <a:spcAft>
+                <a:spcPts val="0"/>
+              </a:spcAft>
+              <a:buClr>
+                <a:schemeClr val="lt1"/>
+              </a:buClr>
+              <a:buSzPts val="2100"/>
+              <a:buFont typeface="Roboto"/>
+              <a:buChar char="➔"/>
+            </a:pPr>
+            <a:r>
+              <a:rPr lang="en" sz="2100">
+                <a:solidFill>
+                  <a:schemeClr val="lt1"/>
+                </a:solidFill>
+                <a:latin typeface="Roboto"/>
+                <a:ea typeface="Roboto"/>
+                <a:cs typeface="Roboto"/>
+                <a:sym typeface="Roboto"/>
+              </a:rPr>
+              <a:t>2-3</a:t>
+            </a:r>
+            <a:endParaRPr sz="2100">
+              <a:solidFill>
+                <a:schemeClr val="lt1"/>
+              </a:solidFill>
+              <a:latin typeface="Roboto"/>
+              <a:ea typeface="Roboto"/>
+              <a:cs typeface="Roboto"/>
+              <a:sym typeface="Roboto"/>
+            </a:endParaRPr>
+          </a:p>
+          <a:p>
+            <a:pPr indent="-361950" lvl="0" marL="457200" rtl="0" algn="l">
+              <a:spcBef>
+                <a:spcPts val="0"/>
+              </a:spcBef>
+              <a:spcAft>
+                <a:spcPts val="0"/>
+              </a:spcAft>
+              <a:buClr>
+                <a:schemeClr val="lt1"/>
+              </a:buClr>
+              <a:buSzPts val="2100"/>
+              <a:buFont typeface="Roboto"/>
+              <a:buChar char="➔"/>
+            </a:pPr>
+            <a:r>
+              <a:rPr lang="en" sz="2100">
+                <a:solidFill>
+                  <a:schemeClr val="lt1"/>
+                </a:solidFill>
+                <a:latin typeface="Roboto"/>
+                <a:ea typeface="Roboto"/>
+                <a:cs typeface="Roboto"/>
+                <a:sym typeface="Roboto"/>
+              </a:rPr>
+              <a:t>3-5</a:t>
+            </a:r>
+            <a:endParaRPr sz="2100">
+              <a:solidFill>
+                <a:schemeClr val="lt1"/>
+              </a:solidFill>
+              <a:latin typeface="Roboto"/>
+              <a:ea typeface="Roboto"/>
+              <a:cs typeface="Roboto"/>
+              <a:sym typeface="Roboto"/>
+            </a:endParaRPr>
+          </a:p>
+          <a:p>
+            <a:pPr indent="-361950" lvl="0" marL="457200" rtl="0" algn="l">
+              <a:spcBef>
+                <a:spcPts val="0"/>
+              </a:spcBef>
+              <a:spcAft>
+                <a:spcPts val="0"/>
+              </a:spcAft>
+              <a:buClr>
+                <a:schemeClr val="lt1"/>
+              </a:buClr>
+              <a:buSzPts val="2100"/>
+              <a:buFont typeface="Roboto"/>
+              <a:buChar char="➔"/>
+            </a:pPr>
+            <a:r>
+              <a:rPr lang="en" sz="2100">
+                <a:solidFill>
+                  <a:schemeClr val="lt1"/>
+                </a:solidFill>
+                <a:latin typeface="Roboto"/>
+                <a:ea typeface="Roboto"/>
+                <a:cs typeface="Roboto"/>
+                <a:sym typeface="Roboto"/>
+              </a:rPr>
+              <a:t>5-10</a:t>
+            </a:r>
+            <a:endParaRPr sz="2100">
+              <a:solidFill>
+                <a:schemeClr val="lt1"/>
+              </a:solidFill>
+              <a:latin typeface="Roboto"/>
+              <a:ea typeface="Roboto"/>
+              <a:cs typeface="Roboto"/>
+              <a:sym typeface="Roboto"/>
+            </a:endParaRPr>
+          </a:p>
+          <a:p>
+            <a:pPr indent="-361950" lvl="0" marL="457200" rtl="0" algn="l">
+              <a:spcBef>
+                <a:spcPts val="0"/>
+              </a:spcBef>
+              <a:spcAft>
+                <a:spcPts val="0"/>
+              </a:spcAft>
+              <a:buClr>
+                <a:schemeClr val="lt1"/>
+              </a:buClr>
+              <a:buSzPts val="2100"/>
+              <a:buFont typeface="Roboto"/>
+              <a:buChar char="➔"/>
+            </a:pPr>
+            <a:r>
+              <a:rPr lang="en" sz="2100">
+                <a:solidFill>
+                  <a:schemeClr val="lt1"/>
+                </a:solidFill>
+                <a:latin typeface="Roboto"/>
+                <a:ea typeface="Roboto"/>
+                <a:cs typeface="Roboto"/>
+                <a:sym typeface="Roboto"/>
+              </a:rPr>
+              <a:t>&gt;10</a:t>
+            </a:r>
+            <a:endParaRPr sz="2100">
+              <a:solidFill>
+                <a:schemeClr val="lt1"/>
+              </a:solidFill>
+              <a:latin typeface="Roboto"/>
+              <a:ea typeface="Roboto"/>
+              <a:cs typeface="Roboto"/>
+              <a:sym typeface="Roboto"/>
+            </a:endParaRPr>
+          </a:p>
+        </p:txBody>
+      </p:sp>
     </p:spTree>
   </p:cSld>
   <p:clrMapOvr>
@@ -15984,7 +16456,7 @@
   <p:cSld>
     <p:spTree>
       <p:nvGrpSpPr>
-        <p:cNvPr id="280" name="Shape 280"/>
+        <p:cNvPr id="279" name="Shape 279"/>
         <p:cNvGrpSpPr/>
         <p:nvPr/>
       </p:nvGrpSpPr>
@@ -15998,7 +16470,7 @@
       </p:grpSpPr>
       <p:sp>
         <p:nvSpPr>
-          <p:cNvPr id="281" name="Google Shape;281;p43"/>
+          <p:cNvPr id="280" name="Google Shape;280;p43"/>
           <p:cNvSpPr txBox="1"/>
           <p:nvPr>
             <p:ph type="title"/>
@@ -16006,8 +16478,8 @@
         </p:nvSpPr>
         <p:spPr>
           <a:xfrm>
-            <a:off x="605525" y="655250"/>
-            <a:ext cx="4804800" cy="838800"/>
+            <a:off x="490250" y="526350"/>
+            <a:ext cx="6898800" cy="4090800"/>
           </a:xfrm>
           <a:prstGeom prst="rect">
             <a:avLst/>
@@ -16015,7 +16487,7 @@
         </p:spPr>
         <p:txBody>
           <a:bodyPr anchorCtr="0" anchor="ctr" bIns="91425" lIns="91425" spcFirstLastPara="1" rIns="91425" wrap="square" tIns="91425">
-            <a:normAutofit fontScale="90000"/>
+            <a:normAutofit/>
           </a:bodyPr>
           <a:lstStyle/>
           <a:p>
@@ -16030,40 +16502,12 @@
             </a:pPr>
             <a:r>
               <a:rPr lang="en"/>
-              <a:t>Customer Category Distribution for Product Category - 2</a:t>
+              <a:t>Customer Category Distribution for different Product Categories</a:t>
             </a:r>
             <a:endParaRPr/>
           </a:p>
         </p:txBody>
       </p:sp>
-      <p:pic>
-        <p:nvPicPr>
-          <p:cNvPr id="282" name="Google Shape;282;p43"/>
-          <p:cNvPicPr preferRelativeResize="0"/>
-          <p:nvPr/>
-        </p:nvPicPr>
-        <p:blipFill>
-          <a:blip r:embed="rId3">
-            <a:alphaModFix/>
-          </a:blip>
-          <a:stretch>
-            <a:fillRect/>
-          </a:stretch>
-        </p:blipFill>
-        <p:spPr>
-          <a:xfrm>
-            <a:off x="2443163" y="1992100"/>
-            <a:ext cx="4257675" cy="2914650"/>
-          </a:xfrm>
-          <a:prstGeom prst="rect">
-            <a:avLst/>
-          </a:prstGeom>
-          <a:noFill/>
-          <a:ln>
-            <a:noFill/>
-          </a:ln>
-        </p:spPr>
-      </p:pic>
     </p:spTree>
   </p:cSld>
   <p:clrMapOvr>
@@ -16077,7 +16521,7 @@
   <p:cSld>
     <p:spTree>
       <p:nvGrpSpPr>
-        <p:cNvPr id="286" name="Shape 286"/>
+        <p:cNvPr id="284" name="Shape 284"/>
         <p:cNvGrpSpPr/>
         <p:nvPr/>
       </p:nvGrpSpPr>
@@ -16091,7 +16535,7 @@
       </p:grpSpPr>
       <p:sp>
         <p:nvSpPr>
-          <p:cNvPr id="287" name="Google Shape;287;p44"/>
+          <p:cNvPr id="285" name="Google Shape;285;p44"/>
           <p:cNvSpPr txBox="1"/>
           <p:nvPr>
             <p:ph type="title"/>
@@ -16123,7 +16567,7 @@
             </a:pPr>
             <a:r>
               <a:rPr lang="en"/>
-              <a:t>Customer Category Distribution for Product Category - 3</a:t>
+              <a:t>Customer Category Distribution for Product Category - 1</a:t>
             </a:r>
             <a:endParaRPr/>
           </a:p>
@@ -16131,7 +16575,7 @@
       </p:sp>
       <p:pic>
         <p:nvPicPr>
-          <p:cNvPr id="288" name="Google Shape;288;p44"/>
+          <p:cNvPr id="286" name="Google Shape;286;p44"/>
           <p:cNvPicPr preferRelativeResize="0"/>
           <p:nvPr/>
         </p:nvPicPr>
@@ -16145,8 +16589,8 @@
         </p:blipFill>
         <p:spPr>
           <a:xfrm>
-            <a:off x="2400300" y="2000300"/>
-            <a:ext cx="4343400" cy="2924175"/>
+            <a:off x="2428875" y="2033225"/>
+            <a:ext cx="4286250" cy="2905125"/>
           </a:xfrm>
           <a:prstGeom prst="rect">
             <a:avLst/>
@@ -16170,7 +16614,7 @@
   <p:cSld>
     <p:spTree>
       <p:nvGrpSpPr>
-        <p:cNvPr id="292" name="Shape 292"/>
+        <p:cNvPr id="290" name="Shape 290"/>
         <p:cNvGrpSpPr/>
         <p:nvPr/>
       </p:nvGrpSpPr>
@@ -16184,7 +16628,7 @@
       </p:grpSpPr>
       <p:sp>
         <p:nvSpPr>
-          <p:cNvPr id="293" name="Google Shape;293;p45"/>
+          <p:cNvPr id="291" name="Google Shape;291;p45"/>
           <p:cNvSpPr txBox="1"/>
           <p:nvPr>
             <p:ph type="title"/>
@@ -16216,7 +16660,7 @@
             </a:pPr>
             <a:r>
               <a:rPr lang="en"/>
-              <a:t>Customer Category Distribution for Product Category - 4</a:t>
+              <a:t>Customer Category Distribution for Product Category - 2</a:t>
             </a:r>
             <a:endParaRPr/>
           </a:p>
@@ -16224,7 +16668,7 @@
       </p:sp>
       <p:pic>
         <p:nvPicPr>
-          <p:cNvPr id="294" name="Google Shape;294;p45"/>
+          <p:cNvPr id="292" name="Google Shape;292;p45"/>
           <p:cNvPicPr preferRelativeResize="0"/>
           <p:nvPr/>
         </p:nvPicPr>
@@ -16238,8 +16682,8 @@
         </p:blipFill>
         <p:spPr>
           <a:xfrm>
-            <a:off x="2362200" y="1959175"/>
-            <a:ext cx="4419600" cy="2924175"/>
+            <a:off x="2443163" y="1992100"/>
+            <a:ext cx="4257675" cy="2914650"/>
           </a:xfrm>
           <a:prstGeom prst="rect">
             <a:avLst/>
@@ -16263,7 +16707,7 @@
   <p:cSld>
     <p:spTree>
       <p:nvGrpSpPr>
-        <p:cNvPr id="298" name="Shape 298"/>
+        <p:cNvPr id="296" name="Shape 296"/>
         <p:cNvGrpSpPr/>
         <p:nvPr/>
       </p:nvGrpSpPr>
@@ -16277,7 +16721,7 @@
       </p:grpSpPr>
       <p:sp>
         <p:nvSpPr>
-          <p:cNvPr id="299" name="Google Shape;299;p46"/>
+          <p:cNvPr id="297" name="Google Shape;297;p46"/>
           <p:cNvSpPr txBox="1"/>
           <p:nvPr>
             <p:ph type="title"/>
@@ -16309,7 +16753,7 @@
             </a:pPr>
             <a:r>
               <a:rPr lang="en"/>
-              <a:t>Customer Category Distribution for Product Category - 5</a:t>
+              <a:t>Customer Category Distribution for Product Category - 3</a:t>
             </a:r>
             <a:endParaRPr/>
           </a:p>
@@ -16317,7 +16761,7 @@
       </p:sp>
       <p:pic>
         <p:nvPicPr>
-          <p:cNvPr id="300" name="Google Shape;300;p46"/>
+          <p:cNvPr id="298" name="Google Shape;298;p46"/>
           <p:cNvPicPr preferRelativeResize="0"/>
           <p:nvPr/>
         </p:nvPicPr>
@@ -16331,8 +16775,8 @@
         </p:blipFill>
         <p:spPr>
           <a:xfrm>
-            <a:off x="2414575" y="2025000"/>
-            <a:ext cx="4314825" cy="2933700"/>
+            <a:off x="2400300" y="2000300"/>
+            <a:ext cx="4343400" cy="2924175"/>
           </a:xfrm>
           <a:prstGeom prst="rect">
             <a:avLst/>
@@ -16356,7 +16800,7 @@
   <p:cSld>
     <p:spTree>
       <p:nvGrpSpPr>
-        <p:cNvPr id="304" name="Shape 304"/>
+        <p:cNvPr id="302" name="Shape 302"/>
         <p:cNvGrpSpPr/>
         <p:nvPr/>
       </p:nvGrpSpPr>
@@ -16370,7 +16814,7 @@
       </p:grpSpPr>
       <p:sp>
         <p:nvSpPr>
-          <p:cNvPr id="305" name="Google Shape;305;p47"/>
+          <p:cNvPr id="303" name="Google Shape;303;p47"/>
           <p:cNvSpPr txBox="1"/>
           <p:nvPr>
             <p:ph type="title"/>
@@ -16402,7 +16846,7 @@
             </a:pPr>
             <a:r>
               <a:rPr lang="en"/>
-              <a:t>Customer Category Distribution for Product Category - 6</a:t>
+              <a:t>Customer Category Distribution for Product Category - 4</a:t>
             </a:r>
             <a:endParaRPr/>
           </a:p>
@@ -16410,7 +16854,7 @@
       </p:sp>
       <p:pic>
         <p:nvPicPr>
-          <p:cNvPr id="306" name="Google Shape;306;p47"/>
+          <p:cNvPr id="304" name="Google Shape;304;p47"/>
           <p:cNvPicPr preferRelativeResize="0"/>
           <p:nvPr/>
         </p:nvPicPr>
@@ -16424,8 +16868,8 @@
         </p:blipFill>
         <p:spPr>
           <a:xfrm>
-            <a:off x="2424113" y="2025025"/>
-            <a:ext cx="4295775" cy="2895600"/>
+            <a:off x="2362200" y="1959175"/>
+            <a:ext cx="4419600" cy="2924175"/>
           </a:xfrm>
           <a:prstGeom prst="rect">
             <a:avLst/>
@@ -16449,7 +16893,7 @@
   <p:cSld>
     <p:spTree>
       <p:nvGrpSpPr>
-        <p:cNvPr id="310" name="Shape 310"/>
+        <p:cNvPr id="308" name="Shape 308"/>
         <p:cNvGrpSpPr/>
         <p:nvPr/>
       </p:nvGrpSpPr>
@@ -16463,7 +16907,7 @@
       </p:grpSpPr>
       <p:sp>
         <p:nvSpPr>
-          <p:cNvPr id="311" name="Google Shape;311;p48"/>
+          <p:cNvPr id="309" name="Google Shape;309;p48"/>
           <p:cNvSpPr txBox="1"/>
           <p:nvPr>
             <p:ph type="title"/>
@@ -16495,7 +16939,7 @@
             </a:pPr>
             <a:r>
               <a:rPr lang="en"/>
-              <a:t>Customer Category Distribution for Product Category - 7</a:t>
+              <a:t>Customer Category Distribution for Product Category - 5</a:t>
             </a:r>
             <a:endParaRPr/>
           </a:p>
@@ -16503,7 +16947,7 @@
       </p:sp>
       <p:pic>
         <p:nvPicPr>
-          <p:cNvPr id="312" name="Google Shape;312;p48"/>
+          <p:cNvPr id="310" name="Google Shape;310;p48"/>
           <p:cNvPicPr preferRelativeResize="0"/>
           <p:nvPr/>
         </p:nvPicPr>
@@ -16517,8 +16961,8 @@
         </p:blipFill>
         <p:spPr>
           <a:xfrm>
-            <a:off x="2414588" y="1967425"/>
-            <a:ext cx="4314825" cy="2905125"/>
+            <a:off x="2414575" y="2025000"/>
+            <a:ext cx="4314825" cy="2933700"/>
           </a:xfrm>
           <a:prstGeom prst="rect">
             <a:avLst/>
@@ -16542,7 +16986,7 @@
   <p:cSld>
     <p:spTree>
       <p:nvGrpSpPr>
-        <p:cNvPr id="316" name="Shape 316"/>
+        <p:cNvPr id="314" name="Shape 314"/>
         <p:cNvGrpSpPr/>
         <p:nvPr/>
       </p:nvGrpSpPr>
@@ -16556,7 +17000,7 @@
       </p:grpSpPr>
       <p:sp>
         <p:nvSpPr>
-          <p:cNvPr id="317" name="Google Shape;317;p49"/>
+          <p:cNvPr id="315" name="Google Shape;315;p49"/>
           <p:cNvSpPr txBox="1"/>
           <p:nvPr>
             <p:ph type="title"/>
@@ -16564,8 +17008,8 @@
         </p:nvSpPr>
         <p:spPr>
           <a:xfrm>
-            <a:off x="490250" y="526350"/>
-            <a:ext cx="5618700" cy="1275900"/>
+            <a:off x="605525" y="655250"/>
+            <a:ext cx="4804800" cy="838800"/>
           </a:xfrm>
           <a:prstGeom prst="rect">
             <a:avLst/>
@@ -16588,7 +17032,7 @@
             </a:pPr>
             <a:r>
               <a:rPr lang="en"/>
-              <a:t>Customer Category Distribution for Total Expenditure</a:t>
+              <a:t>Customer Category Distribution for Product Category - 6</a:t>
             </a:r>
             <a:endParaRPr/>
           </a:p>
@@ -16596,7 +17040,7 @@
       </p:sp>
       <p:pic>
         <p:nvPicPr>
-          <p:cNvPr id="318" name="Google Shape;318;p49"/>
+          <p:cNvPr id="316" name="Google Shape;316;p49"/>
           <p:cNvPicPr preferRelativeResize="0"/>
           <p:nvPr/>
         </p:nvPicPr>
@@ -16610,8 +17054,8 @@
         </p:blipFill>
         <p:spPr>
           <a:xfrm>
-            <a:off x="2262175" y="2102775"/>
-            <a:ext cx="4619625" cy="2895600"/>
+            <a:off x="2424113" y="2025025"/>
+            <a:ext cx="4295775" cy="2895600"/>
           </a:xfrm>
           <a:prstGeom prst="rect">
             <a:avLst/>
@@ -16635,7 +17079,7 @@
   <p:cSld>
     <p:spTree>
       <p:nvGrpSpPr>
-        <p:cNvPr id="322" name="Shape 322"/>
+        <p:cNvPr id="320" name="Shape 320"/>
         <p:cNvGrpSpPr/>
         <p:nvPr/>
       </p:nvGrpSpPr>
@@ -16649,7 +17093,7 @@
       </p:grpSpPr>
       <p:sp>
         <p:nvSpPr>
-          <p:cNvPr id="323" name="Google Shape;323;p50"/>
+          <p:cNvPr id="321" name="Google Shape;321;p50"/>
           <p:cNvSpPr txBox="1"/>
           <p:nvPr>
             <p:ph type="title"/>
@@ -16657,8 +17101,8 @@
         </p:nvSpPr>
         <p:spPr>
           <a:xfrm>
-            <a:off x="490250" y="526350"/>
-            <a:ext cx="5618700" cy="4090800"/>
+            <a:off x="605525" y="655250"/>
+            <a:ext cx="4804800" cy="838800"/>
           </a:xfrm>
           <a:prstGeom prst="rect">
             <a:avLst/>
@@ -16666,7 +17110,7 @@
         </p:spPr>
         <p:txBody>
           <a:bodyPr anchorCtr="0" anchor="ctr" bIns="91425" lIns="91425" spcFirstLastPara="1" rIns="91425" wrap="square" tIns="91425">
-            <a:normAutofit/>
+            <a:normAutofit fontScale="90000"/>
           </a:bodyPr>
           <a:lstStyle/>
           <a:p>
@@ -16681,12 +17125,40 @@
             </a:pPr>
             <a:r>
               <a:rPr lang="en"/>
-              <a:t>Word Clouds for different Customer Categories</a:t>
+              <a:t>Customer Category Distribution for Product Category - 7</a:t>
             </a:r>
             <a:endParaRPr/>
           </a:p>
         </p:txBody>
       </p:sp>
+      <p:pic>
+        <p:nvPicPr>
+          <p:cNvPr id="322" name="Google Shape;322;p50"/>
+          <p:cNvPicPr preferRelativeResize="0"/>
+          <p:nvPr/>
+        </p:nvPicPr>
+        <p:blipFill>
+          <a:blip r:embed="rId3">
+            <a:alphaModFix/>
+          </a:blip>
+          <a:stretch>
+            <a:fillRect/>
+          </a:stretch>
+        </p:blipFill>
+        <p:spPr>
+          <a:xfrm>
+            <a:off x="2414588" y="1967425"/>
+            <a:ext cx="4314825" cy="2905125"/>
+          </a:xfrm>
+          <a:prstGeom prst="rect">
+            <a:avLst/>
+          </a:prstGeom>
+          <a:noFill/>
+          <a:ln>
+            <a:noFill/>
+          </a:ln>
+        </p:spPr>
+      </p:pic>
     </p:spTree>
   </p:cSld>
   <p:clrMapOvr>
@@ -16700,7 +17172,7 @@
   <p:cSld>
     <p:spTree>
       <p:nvGrpSpPr>
-        <p:cNvPr id="327" name="Shape 327"/>
+        <p:cNvPr id="326" name="Shape 326"/>
         <p:cNvGrpSpPr/>
         <p:nvPr/>
       </p:nvGrpSpPr>
@@ -16714,7 +17186,7 @@
       </p:grpSpPr>
       <p:sp>
         <p:nvSpPr>
-          <p:cNvPr id="328" name="Google Shape;328;p51"/>
+          <p:cNvPr id="327" name="Google Shape;327;p51"/>
           <p:cNvSpPr txBox="1"/>
           <p:nvPr>
             <p:ph type="title"/>
@@ -16722,8 +17194,8 @@
         </p:nvSpPr>
         <p:spPr>
           <a:xfrm>
-            <a:off x="553625" y="640400"/>
-            <a:ext cx="5027100" cy="838800"/>
+            <a:off x="490250" y="526350"/>
+            <a:ext cx="5618700" cy="1275900"/>
           </a:xfrm>
           <a:prstGeom prst="rect">
             <a:avLst/>
@@ -16746,7 +17218,7 @@
             </a:pPr>
             <a:r>
               <a:rPr lang="en"/>
-              <a:t>Word cloud for Customer Category - 1</a:t>
+              <a:t>Customer Category Distribution for Total Expenditure</a:t>
             </a:r>
             <a:endParaRPr/>
           </a:p>
@@ -16754,7 +17226,7 @@
       </p:sp>
       <p:pic>
         <p:nvPicPr>
-          <p:cNvPr id="329" name="Google Shape;329;p51"/>
+          <p:cNvPr id="328" name="Google Shape;328;p51"/>
           <p:cNvPicPr preferRelativeResize="0"/>
           <p:nvPr/>
         </p:nvPicPr>
@@ -16768,8 +17240,8 @@
         </p:blipFill>
         <p:spPr>
           <a:xfrm>
-            <a:off x="2433638" y="2076000"/>
-            <a:ext cx="4276725" cy="2057400"/>
+            <a:off x="2262175" y="2102775"/>
+            <a:ext cx="4619625" cy="2895600"/>
           </a:xfrm>
           <a:prstGeom prst="rect">
             <a:avLst/>
@@ -17033,7 +17505,7 @@
   <p:cSld>
     <p:spTree>
       <p:nvGrpSpPr>
-        <p:cNvPr id="333" name="Shape 333"/>
+        <p:cNvPr id="332" name="Shape 332"/>
         <p:cNvGrpSpPr/>
         <p:nvPr/>
       </p:nvGrpSpPr>
@@ -17047,7 +17519,7 @@
       </p:grpSpPr>
       <p:sp>
         <p:nvSpPr>
-          <p:cNvPr id="334" name="Google Shape;334;p52"/>
+          <p:cNvPr id="333" name="Google Shape;333;p52"/>
           <p:cNvSpPr txBox="1"/>
           <p:nvPr>
             <p:ph type="title"/>
@@ -17055,8 +17527,8 @@
         </p:nvSpPr>
         <p:spPr>
           <a:xfrm>
-            <a:off x="553625" y="640400"/>
-            <a:ext cx="5130900" cy="838800"/>
+            <a:off x="490250" y="526350"/>
+            <a:ext cx="5618700" cy="4090800"/>
           </a:xfrm>
           <a:prstGeom prst="rect">
             <a:avLst/>
@@ -17064,7 +17536,7 @@
         </p:spPr>
         <p:txBody>
           <a:bodyPr anchorCtr="0" anchor="ctr" bIns="91425" lIns="91425" spcFirstLastPara="1" rIns="91425" wrap="square" tIns="91425">
-            <a:normAutofit fontScale="90000"/>
+            <a:normAutofit/>
           </a:bodyPr>
           <a:lstStyle/>
           <a:p>
@@ -17079,40 +17551,12 @@
             </a:pPr>
             <a:r>
               <a:rPr lang="en"/>
-              <a:t>Word cloud for Customer Category - 2</a:t>
+              <a:t>Word Clouds for different Customer Categories</a:t>
             </a:r>
             <a:endParaRPr/>
           </a:p>
         </p:txBody>
       </p:sp>
-      <p:pic>
-        <p:nvPicPr>
-          <p:cNvPr id="335" name="Google Shape;335;p52"/>
-          <p:cNvPicPr preferRelativeResize="0"/>
-          <p:nvPr/>
-        </p:nvPicPr>
-        <p:blipFill>
-          <a:blip r:embed="rId3">
-            <a:alphaModFix/>
-          </a:blip>
-          <a:stretch>
-            <a:fillRect/>
-          </a:stretch>
-        </p:blipFill>
-        <p:spPr>
-          <a:xfrm>
-            <a:off x="2433638" y="2289975"/>
-            <a:ext cx="4276725" cy="2066925"/>
-          </a:xfrm>
-          <a:prstGeom prst="rect">
-            <a:avLst/>
-          </a:prstGeom>
-          <a:noFill/>
-          <a:ln>
-            <a:noFill/>
-          </a:ln>
-        </p:spPr>
-      </p:pic>
     </p:spTree>
   </p:cSld>
   <p:clrMapOvr>
@@ -17126,7 +17570,7 @@
   <p:cSld>
     <p:spTree>
       <p:nvGrpSpPr>
-        <p:cNvPr id="339" name="Shape 339"/>
+        <p:cNvPr id="337" name="Shape 337"/>
         <p:cNvGrpSpPr/>
         <p:nvPr/>
       </p:nvGrpSpPr>
@@ -17140,7 +17584,7 @@
       </p:grpSpPr>
       <p:sp>
         <p:nvSpPr>
-          <p:cNvPr id="340" name="Google Shape;340;p53"/>
+          <p:cNvPr id="338" name="Google Shape;338;p53"/>
           <p:cNvSpPr txBox="1"/>
           <p:nvPr>
             <p:ph type="title"/>
@@ -17172,7 +17616,7 @@
             </a:pPr>
             <a:r>
               <a:rPr lang="en"/>
-              <a:t>Word cloud for Customer Category - 3</a:t>
+              <a:t>Word cloud for Customer Category - 1</a:t>
             </a:r>
             <a:endParaRPr/>
           </a:p>
@@ -17180,7 +17624,7 @@
       </p:sp>
       <p:pic>
         <p:nvPicPr>
-          <p:cNvPr id="341" name="Google Shape;341;p53"/>
+          <p:cNvPr id="339" name="Google Shape;339;p53"/>
           <p:cNvPicPr preferRelativeResize="0"/>
           <p:nvPr/>
         </p:nvPicPr>
@@ -17194,8 +17638,8 @@
         </p:blipFill>
         <p:spPr>
           <a:xfrm>
-            <a:off x="2433638" y="2405175"/>
-            <a:ext cx="4276725" cy="2009775"/>
+            <a:off x="2433638" y="2076000"/>
+            <a:ext cx="4276725" cy="2057400"/>
           </a:xfrm>
           <a:prstGeom prst="rect">
             <a:avLst/>
@@ -17219,7 +17663,7 @@
   <p:cSld>
     <p:spTree>
       <p:nvGrpSpPr>
-        <p:cNvPr id="345" name="Shape 345"/>
+        <p:cNvPr id="343" name="Shape 343"/>
         <p:cNvGrpSpPr/>
         <p:nvPr/>
       </p:nvGrpSpPr>
@@ -17233,7 +17677,7 @@
       </p:grpSpPr>
       <p:sp>
         <p:nvSpPr>
-          <p:cNvPr id="346" name="Google Shape;346;p54"/>
+          <p:cNvPr id="344" name="Google Shape;344;p54"/>
           <p:cNvSpPr txBox="1"/>
           <p:nvPr>
             <p:ph type="title"/>
@@ -17242,7 +17686,7 @@
         <p:spPr>
           <a:xfrm>
             <a:off x="553625" y="640400"/>
-            <a:ext cx="5094000" cy="838800"/>
+            <a:ext cx="5130900" cy="838800"/>
           </a:xfrm>
           <a:prstGeom prst="rect">
             <a:avLst/>
@@ -17265,7 +17709,7 @@
             </a:pPr>
             <a:r>
               <a:rPr lang="en"/>
-              <a:t>Word cloud for Customer Category - 4</a:t>
+              <a:t>Word cloud for Customer Category - 2</a:t>
             </a:r>
             <a:endParaRPr/>
           </a:p>
@@ -17273,7 +17717,7 @@
       </p:sp>
       <p:pic>
         <p:nvPicPr>
-          <p:cNvPr id="347" name="Google Shape;347;p54"/>
+          <p:cNvPr id="345" name="Google Shape;345;p54"/>
           <p:cNvPicPr preferRelativeResize="0"/>
           <p:nvPr/>
         </p:nvPicPr>
@@ -17287,8 +17731,8 @@
         </p:blipFill>
         <p:spPr>
           <a:xfrm>
-            <a:off x="2400300" y="2347575"/>
-            <a:ext cx="4343400" cy="2066925"/>
+            <a:off x="2433638" y="2289975"/>
+            <a:ext cx="4276725" cy="2066925"/>
           </a:xfrm>
           <a:prstGeom prst="rect">
             <a:avLst/>
@@ -17312,7 +17756,7 @@
   <p:cSld>
     <p:spTree>
       <p:nvGrpSpPr>
-        <p:cNvPr id="351" name="Shape 351"/>
+        <p:cNvPr id="349" name="Shape 349"/>
         <p:cNvGrpSpPr/>
         <p:nvPr/>
       </p:nvGrpSpPr>
@@ -17326,7 +17770,7 @@
       </p:grpSpPr>
       <p:sp>
         <p:nvSpPr>
-          <p:cNvPr id="352" name="Google Shape;352;p55"/>
+          <p:cNvPr id="350" name="Google Shape;350;p55"/>
           <p:cNvSpPr txBox="1"/>
           <p:nvPr>
             <p:ph type="title"/>
@@ -17335,7 +17779,7 @@
         <p:spPr>
           <a:xfrm>
             <a:off x="553625" y="640400"/>
-            <a:ext cx="5064300" cy="838800"/>
+            <a:ext cx="5027100" cy="838800"/>
           </a:xfrm>
           <a:prstGeom prst="rect">
             <a:avLst/>
@@ -17358,7 +17802,7 @@
             </a:pPr>
             <a:r>
               <a:rPr lang="en"/>
-              <a:t>Word cloud for Customer Category - 5</a:t>
+              <a:t>Word cloud for Customer Category - 3</a:t>
             </a:r>
             <a:endParaRPr/>
           </a:p>
@@ -17366,7 +17810,7 @@
       </p:sp>
       <p:pic>
         <p:nvPicPr>
-          <p:cNvPr id="353" name="Google Shape;353;p55"/>
+          <p:cNvPr id="351" name="Google Shape;351;p55"/>
           <p:cNvPicPr preferRelativeResize="0"/>
           <p:nvPr/>
         </p:nvPicPr>
@@ -17380,8 +17824,8 @@
         </p:blipFill>
         <p:spPr>
           <a:xfrm>
-            <a:off x="2428875" y="2429875"/>
-            <a:ext cx="4286250" cy="1924050"/>
+            <a:off x="2433638" y="2405175"/>
+            <a:ext cx="4276725" cy="2009775"/>
           </a:xfrm>
           <a:prstGeom prst="rect">
             <a:avLst/>
@@ -17405,7 +17849,7 @@
   <p:cSld>
     <p:spTree>
       <p:nvGrpSpPr>
-        <p:cNvPr id="357" name="Shape 357"/>
+        <p:cNvPr id="355" name="Shape 355"/>
         <p:cNvGrpSpPr/>
         <p:nvPr/>
       </p:nvGrpSpPr>
@@ -17419,7 +17863,7 @@
       </p:grpSpPr>
       <p:sp>
         <p:nvSpPr>
-          <p:cNvPr id="358" name="Google Shape;358;p56"/>
+          <p:cNvPr id="356" name="Google Shape;356;p56"/>
           <p:cNvSpPr txBox="1"/>
           <p:nvPr>
             <p:ph type="title"/>
@@ -17428,7 +17872,7 @@
         <p:spPr>
           <a:xfrm>
             <a:off x="553625" y="640400"/>
-            <a:ext cx="5190300" cy="838800"/>
+            <a:ext cx="5094000" cy="838800"/>
           </a:xfrm>
           <a:prstGeom prst="rect">
             <a:avLst/>
@@ -17451,7 +17895,7 @@
             </a:pPr>
             <a:r>
               <a:rPr lang="en"/>
-              <a:t>Word cloud for Customer Category - 6</a:t>
+              <a:t>Word cloud for Customer Category - 4</a:t>
             </a:r>
             <a:endParaRPr/>
           </a:p>
@@ -17459,7 +17903,7 @@
       </p:sp>
       <p:pic>
         <p:nvPicPr>
-          <p:cNvPr id="359" name="Google Shape;359;p56"/>
+          <p:cNvPr id="357" name="Google Shape;357;p56"/>
           <p:cNvPicPr preferRelativeResize="0"/>
           <p:nvPr/>
         </p:nvPicPr>
@@ -17473,8 +17917,8 @@
         </p:blipFill>
         <p:spPr>
           <a:xfrm>
-            <a:off x="2409825" y="2339350"/>
-            <a:ext cx="4324350" cy="1981200"/>
+            <a:off x="2400300" y="2347575"/>
+            <a:ext cx="4343400" cy="2066925"/>
           </a:xfrm>
           <a:prstGeom prst="rect">
             <a:avLst/>
@@ -17498,7 +17942,7 @@
   <p:cSld>
     <p:spTree>
       <p:nvGrpSpPr>
-        <p:cNvPr id="363" name="Shape 363"/>
+        <p:cNvPr id="361" name="Shape 361"/>
         <p:cNvGrpSpPr/>
         <p:nvPr/>
       </p:nvGrpSpPr>
@@ -17512,7 +17956,193 @@
       </p:grpSpPr>
       <p:sp>
         <p:nvSpPr>
-          <p:cNvPr id="364" name="Google Shape;364;p57"/>
+          <p:cNvPr id="362" name="Google Shape;362;p57"/>
+          <p:cNvSpPr txBox="1"/>
+          <p:nvPr>
+            <p:ph type="title"/>
+          </p:nvPr>
+        </p:nvSpPr>
+        <p:spPr>
+          <a:xfrm>
+            <a:off x="553625" y="640400"/>
+            <a:ext cx="5064300" cy="838800"/>
+          </a:xfrm>
+          <a:prstGeom prst="rect">
+            <a:avLst/>
+          </a:prstGeom>
+        </p:spPr>
+        <p:txBody>
+          <a:bodyPr anchorCtr="0" anchor="ctr" bIns="91425" lIns="91425" spcFirstLastPara="1" rIns="91425" wrap="square" tIns="91425">
+            <a:normAutofit fontScale="90000"/>
+          </a:bodyPr>
+          <a:lstStyle/>
+          <a:p>
+            <a:pPr indent="0" lvl="0" marL="0" rtl="0" algn="l">
+              <a:spcBef>
+                <a:spcPts val="0"/>
+              </a:spcBef>
+              <a:spcAft>
+                <a:spcPts val="0"/>
+              </a:spcAft>
+              <a:buNone/>
+            </a:pPr>
+            <a:r>
+              <a:rPr lang="en"/>
+              <a:t>Word cloud for Customer Category - 5</a:t>
+            </a:r>
+            <a:endParaRPr/>
+          </a:p>
+        </p:txBody>
+      </p:sp>
+      <p:pic>
+        <p:nvPicPr>
+          <p:cNvPr id="363" name="Google Shape;363;p57"/>
+          <p:cNvPicPr preferRelativeResize="0"/>
+          <p:nvPr/>
+        </p:nvPicPr>
+        <p:blipFill>
+          <a:blip r:embed="rId3">
+            <a:alphaModFix/>
+          </a:blip>
+          <a:stretch>
+            <a:fillRect/>
+          </a:stretch>
+        </p:blipFill>
+        <p:spPr>
+          <a:xfrm>
+            <a:off x="2428875" y="2429875"/>
+            <a:ext cx="4286250" cy="1924050"/>
+          </a:xfrm>
+          <a:prstGeom prst="rect">
+            <a:avLst/>
+          </a:prstGeom>
+          <a:noFill/>
+          <a:ln>
+            <a:noFill/>
+          </a:ln>
+        </p:spPr>
+      </p:pic>
+    </p:spTree>
+  </p:cSld>
+  <p:clrMapOvr>
+    <a:masterClrMapping/>
+  </p:clrMapOvr>
+</p:sld>
+</file>
+
+<file path=ppt/slides/slide46.xml><?xml version="1.0" encoding="utf-8"?>
+<p:sld xmlns:a="http://schemas.openxmlformats.org/drawingml/2006/main" xmlns:r="http://schemas.openxmlformats.org/officeDocument/2006/relationships" xmlns:mc="http://schemas.openxmlformats.org/markup-compatibility/2006" xmlns:mv="urn:schemas-microsoft-com:mac:vml" xmlns:p="http://schemas.openxmlformats.org/presentationml/2006/main" xmlns:c="http://schemas.openxmlformats.org/drawingml/2006/chart" xmlns:dgm="http://schemas.openxmlformats.org/drawingml/2006/diagram" xmlns:o="urn:schemas-microsoft-com:office:office" xmlns:v="urn:schemas-microsoft-com:vml" xmlns:pvml="urn:schemas-microsoft-com:office:powerpoint" xmlns:com="http://schemas.openxmlformats.org/drawingml/2006/compatibility" xmlns:p14="http://schemas.microsoft.com/office/powerpoint/2010/main" xmlns:p15="http://schemas.microsoft.com/office/powerpoint/2012/main" xmlns:ahyp="http://schemas.microsoft.com/office/drawing/2018/hyperlinkcolor">
+  <p:cSld>
+    <p:spTree>
+      <p:nvGrpSpPr>
+        <p:cNvPr id="367" name="Shape 367"/>
+        <p:cNvGrpSpPr/>
+        <p:nvPr/>
+      </p:nvGrpSpPr>
+      <p:grpSpPr>
+        <a:xfrm>
+          <a:off x="0" y="0"/>
+          <a:ext cx="0" cy="0"/>
+          <a:chOff x="0" y="0"/>
+          <a:chExt cx="0" cy="0"/>
+        </a:xfrm>
+      </p:grpSpPr>
+      <p:sp>
+        <p:nvSpPr>
+          <p:cNvPr id="368" name="Google Shape;368;p58"/>
+          <p:cNvSpPr txBox="1"/>
+          <p:nvPr>
+            <p:ph type="title"/>
+          </p:nvPr>
+        </p:nvSpPr>
+        <p:spPr>
+          <a:xfrm>
+            <a:off x="553625" y="640400"/>
+            <a:ext cx="5190300" cy="838800"/>
+          </a:xfrm>
+          <a:prstGeom prst="rect">
+            <a:avLst/>
+          </a:prstGeom>
+        </p:spPr>
+        <p:txBody>
+          <a:bodyPr anchorCtr="0" anchor="ctr" bIns="91425" lIns="91425" spcFirstLastPara="1" rIns="91425" wrap="square" tIns="91425">
+            <a:normAutofit fontScale="90000"/>
+          </a:bodyPr>
+          <a:lstStyle/>
+          <a:p>
+            <a:pPr indent="0" lvl="0" marL="0" rtl="0" algn="l">
+              <a:spcBef>
+                <a:spcPts val="0"/>
+              </a:spcBef>
+              <a:spcAft>
+                <a:spcPts val="0"/>
+              </a:spcAft>
+              <a:buNone/>
+            </a:pPr>
+            <a:r>
+              <a:rPr lang="en"/>
+              <a:t>Word cloud for Customer Category - 6</a:t>
+            </a:r>
+            <a:endParaRPr/>
+          </a:p>
+        </p:txBody>
+      </p:sp>
+      <p:pic>
+        <p:nvPicPr>
+          <p:cNvPr id="369" name="Google Shape;369;p58"/>
+          <p:cNvPicPr preferRelativeResize="0"/>
+          <p:nvPr/>
+        </p:nvPicPr>
+        <p:blipFill>
+          <a:blip r:embed="rId3">
+            <a:alphaModFix/>
+          </a:blip>
+          <a:stretch>
+            <a:fillRect/>
+          </a:stretch>
+        </p:blipFill>
+        <p:spPr>
+          <a:xfrm>
+            <a:off x="2409825" y="2339350"/>
+            <a:ext cx="4324350" cy="1981200"/>
+          </a:xfrm>
+          <a:prstGeom prst="rect">
+            <a:avLst/>
+          </a:prstGeom>
+          <a:noFill/>
+          <a:ln>
+            <a:noFill/>
+          </a:ln>
+        </p:spPr>
+      </p:pic>
+    </p:spTree>
+  </p:cSld>
+  <p:clrMapOvr>
+    <a:masterClrMapping/>
+  </p:clrMapOvr>
+</p:sld>
+</file>
+
+<file path=ppt/slides/slide47.xml><?xml version="1.0" encoding="utf-8"?>
+<p:sld xmlns:a="http://schemas.openxmlformats.org/drawingml/2006/main" xmlns:r="http://schemas.openxmlformats.org/officeDocument/2006/relationships" xmlns:mc="http://schemas.openxmlformats.org/markup-compatibility/2006" xmlns:mv="urn:schemas-microsoft-com:mac:vml" xmlns:p="http://schemas.openxmlformats.org/presentationml/2006/main" xmlns:c="http://schemas.openxmlformats.org/drawingml/2006/chart" xmlns:dgm="http://schemas.openxmlformats.org/drawingml/2006/diagram" xmlns:o="urn:schemas-microsoft-com:office:office" xmlns:v="urn:schemas-microsoft-com:vml" xmlns:pvml="urn:schemas-microsoft-com:office:powerpoint" xmlns:com="http://schemas.openxmlformats.org/drawingml/2006/compatibility" xmlns:p14="http://schemas.microsoft.com/office/powerpoint/2010/main" xmlns:p15="http://schemas.microsoft.com/office/powerpoint/2012/main" xmlns:ahyp="http://schemas.microsoft.com/office/drawing/2018/hyperlinkcolor">
+  <p:cSld>
+    <p:spTree>
+      <p:nvGrpSpPr>
+        <p:cNvPr id="373" name="Shape 373"/>
+        <p:cNvGrpSpPr/>
+        <p:nvPr/>
+      </p:nvGrpSpPr>
+      <p:grpSpPr>
+        <a:xfrm>
+          <a:off x="0" y="0"/>
+          <a:ext cx="0" cy="0"/>
+          <a:chOff x="0" y="0"/>
+          <a:chExt cx="0" cy="0"/>
+        </a:xfrm>
+      </p:grpSpPr>
+      <p:sp>
+        <p:nvSpPr>
+          <p:cNvPr id="374" name="Google Shape;374;p59"/>
           <p:cNvSpPr txBox="1"/>
           <p:nvPr>
             <p:ph type="title"/>
